--- a/Nhom4.pptx
+++ b/Nhom4.pptx
@@ -1156,6 +1156,13 @@
         </dgm:presLayoutVars>
       </dgm:prSet>
       <dgm:spPr/>
+      <dgm:t>
+        <a:bodyPr/>
+        <a:lstStyle/>
+        <a:p>
+          <a:endParaRPr lang="en-US"/>
+        </a:p>
+      </dgm:t>
     </dgm:pt>
     <dgm:pt modelId="{1189387F-02A3-41C6-B022-A4D32768266F}" type="pres">
       <dgm:prSet presAssocID="{8747EC13-A20A-4473-969C-6797FA724518}" presName="circle1" presStyleLbl="node1" presStyleIdx="0" presStyleCnt="3"/>
@@ -1264,16 +1271,16 @@
     </dgm:pt>
   </dgm:ptLst>
   <dgm:cxnLst>
+    <dgm:cxn modelId="{DE96C295-264B-454A-A61F-9496EC17876E}" type="presOf" srcId="{F352461A-B092-45E4-B450-F363DB2284C2}" destId="{2CDF73C6-4F90-48D1-99AA-664B42E46C30}" srcOrd="0" destOrd="0" presId="urn:microsoft.com/office/officeart/2005/8/layout/target3"/>
+    <dgm:cxn modelId="{521D7F99-CCE8-4E22-8DA2-A07159944792}" type="presOf" srcId="{8747EC13-A20A-4473-969C-6797FA724518}" destId="{119D44FF-2D05-435A-BD0C-DBE0743B28F0}" srcOrd="0" destOrd="0" presId="urn:microsoft.com/office/officeart/2005/8/layout/target3"/>
+    <dgm:cxn modelId="{CA0DB801-6AD0-4B6E-9CFD-4F78E96CE833}" type="presOf" srcId="{B214817F-2CFC-4E5E-9600-F80AC291F7B0}" destId="{275D5AA6-5715-42FE-8BE2-247A2E47B1A0}" srcOrd="0" destOrd="0" presId="urn:microsoft.com/office/officeart/2005/8/layout/target3"/>
+    <dgm:cxn modelId="{8C914886-1C36-488A-8808-675EA33714A9}" type="presOf" srcId="{D4BCDEBE-08C6-46F4-93EC-670BDBF415AA}" destId="{CA4CF187-DBC6-4F5B-B112-68A1B36DC444}" srcOrd="0" destOrd="0" presId="urn:microsoft.com/office/officeart/2005/8/layout/target3"/>
+    <dgm:cxn modelId="{F36B47CF-9EA2-4663-BB6E-8E6A922ABEF8}" type="presOf" srcId="{D4BCDEBE-08C6-46F4-93EC-670BDBF415AA}" destId="{74E25C27-BE5E-49AA-AFF7-7E29204CA996}" srcOrd="1" destOrd="0" presId="urn:microsoft.com/office/officeart/2005/8/layout/target3"/>
     <dgm:cxn modelId="{336BA9FE-31AC-4006-8446-E3AE502EDEBC}" type="presOf" srcId="{8747EC13-A20A-4473-969C-6797FA724518}" destId="{6152AF75-8798-42B6-9319-95BE45FC2DFD}" srcOrd="1" destOrd="0" presId="urn:microsoft.com/office/officeart/2005/8/layout/target3"/>
-    <dgm:cxn modelId="{DE96C295-264B-454A-A61F-9496EC17876E}" type="presOf" srcId="{F352461A-B092-45E4-B450-F363DB2284C2}" destId="{2CDF73C6-4F90-48D1-99AA-664B42E46C30}" srcOrd="0" destOrd="0" presId="urn:microsoft.com/office/officeart/2005/8/layout/target3"/>
     <dgm:cxn modelId="{EEEFF327-E792-4D41-8AE9-51A06FAD45B0}" type="presOf" srcId="{B214817F-2CFC-4E5E-9600-F80AC291F7B0}" destId="{8722B4B2-9CCE-4658-B9A4-E26F5D41FE45}" srcOrd="1" destOrd="0" presId="urn:microsoft.com/office/officeart/2005/8/layout/target3"/>
-    <dgm:cxn modelId="{F36B47CF-9EA2-4663-BB6E-8E6A922ABEF8}" type="presOf" srcId="{D4BCDEBE-08C6-46F4-93EC-670BDBF415AA}" destId="{74E25C27-BE5E-49AA-AFF7-7E29204CA996}" srcOrd="1" destOrd="0" presId="urn:microsoft.com/office/officeart/2005/8/layout/target3"/>
-    <dgm:cxn modelId="{8C914886-1C36-488A-8808-675EA33714A9}" type="presOf" srcId="{D4BCDEBE-08C6-46F4-93EC-670BDBF415AA}" destId="{CA4CF187-DBC6-4F5B-B112-68A1B36DC444}" srcOrd="0" destOrd="0" presId="urn:microsoft.com/office/officeart/2005/8/layout/target3"/>
+    <dgm:cxn modelId="{1C28C93D-3E88-475B-9676-3A7E79A788D1}" srcId="{F352461A-B092-45E4-B450-F363DB2284C2}" destId="{8747EC13-A20A-4473-969C-6797FA724518}" srcOrd="0" destOrd="0" parTransId="{FE44E236-A77F-45CC-979F-09BD9029740A}" sibTransId="{54CC52E5-E49D-4FF0-8C50-DABEC96D02EF}"/>
+    <dgm:cxn modelId="{155440D6-6860-4787-80A3-708C1A03F896}" srcId="{F352461A-B092-45E4-B450-F363DB2284C2}" destId="{D4BCDEBE-08C6-46F4-93EC-670BDBF415AA}" srcOrd="2" destOrd="0" parTransId="{EDF6742B-7F9B-43ED-8C05-DD765CC12611}" sibTransId="{BAF92A6C-DBB3-4E2A-B75F-5AC43D534753}"/>
     <dgm:cxn modelId="{C4B9C289-7FE2-48EC-A24C-9AB2B550569D}" srcId="{F352461A-B092-45E4-B450-F363DB2284C2}" destId="{B214817F-2CFC-4E5E-9600-F80AC291F7B0}" srcOrd="1" destOrd="0" parTransId="{1B5F6331-8C4D-40A6-BC55-BF90B43A4F04}" sibTransId="{FB52B558-7988-4057-9203-A81393FB9F3A}"/>
-    <dgm:cxn modelId="{CA0DB801-6AD0-4B6E-9CFD-4F78E96CE833}" type="presOf" srcId="{B214817F-2CFC-4E5E-9600-F80AC291F7B0}" destId="{275D5AA6-5715-42FE-8BE2-247A2E47B1A0}" srcOrd="0" destOrd="0" presId="urn:microsoft.com/office/officeart/2005/8/layout/target3"/>
-    <dgm:cxn modelId="{155440D6-6860-4787-80A3-708C1A03F896}" srcId="{F352461A-B092-45E4-B450-F363DB2284C2}" destId="{D4BCDEBE-08C6-46F4-93EC-670BDBF415AA}" srcOrd="2" destOrd="0" parTransId="{EDF6742B-7F9B-43ED-8C05-DD765CC12611}" sibTransId="{BAF92A6C-DBB3-4E2A-B75F-5AC43D534753}"/>
-    <dgm:cxn modelId="{1C28C93D-3E88-475B-9676-3A7E79A788D1}" srcId="{F352461A-B092-45E4-B450-F363DB2284C2}" destId="{8747EC13-A20A-4473-969C-6797FA724518}" srcOrd="0" destOrd="0" parTransId="{FE44E236-A77F-45CC-979F-09BD9029740A}" sibTransId="{54CC52E5-E49D-4FF0-8C50-DABEC96D02EF}"/>
-    <dgm:cxn modelId="{521D7F99-CCE8-4E22-8DA2-A07159944792}" type="presOf" srcId="{8747EC13-A20A-4473-969C-6797FA724518}" destId="{119D44FF-2D05-435A-BD0C-DBE0743B28F0}" srcOrd="0" destOrd="0" presId="urn:microsoft.com/office/officeart/2005/8/layout/target3"/>
     <dgm:cxn modelId="{632DDF55-886C-4482-A751-E055E7A26044}" type="presParOf" srcId="{2CDF73C6-4F90-48D1-99AA-664B42E46C30}" destId="{1189387F-02A3-41C6-B022-A4D32768266F}" srcOrd="0" destOrd="0" presId="urn:microsoft.com/office/officeart/2005/8/layout/target3"/>
     <dgm:cxn modelId="{F8C5DD55-F442-48F2-AA98-C647DAEF9066}" type="presParOf" srcId="{2CDF73C6-4F90-48D1-99AA-664B42E46C30}" destId="{B834F1B6-B0C4-4999-8D60-13FE551E1613}" srcOrd="1" destOrd="0" presId="urn:microsoft.com/office/officeart/2005/8/layout/target3"/>
     <dgm:cxn modelId="{EA09E2A7-C2A4-46F2-BE9C-8565F6D8587D}" type="presParOf" srcId="{2CDF73C6-4F90-48D1-99AA-664B42E46C30}" destId="{119D44FF-2D05-435A-BD0C-DBE0743B28F0}" srcOrd="2" destOrd="0" presId="urn:microsoft.com/office/officeart/2005/8/layout/target3"/>
@@ -10282,7 +10289,51 @@
               <a:rPr lang="en-US" dirty="0" err="1" smtClean="0"/>
               <a:t>Tú</a:t>
             </a:r>
-            <a:endParaRPr lang="en-US" dirty="0" smtClean="0"/>
+            <a:r>
+              <a:rPr lang="en-US" dirty="0" smtClean="0">
+                <a:solidFill>
+                  <a:srgbClr val="FF0000"/>
+                </a:solidFill>
+              </a:rPr>
+              <a:t>(</a:t>
+            </a:r>
+            <a:r>
+              <a:rPr lang="en-US" dirty="0" err="1" smtClean="0">
+                <a:solidFill>
+                  <a:srgbClr val="FF0000"/>
+                </a:solidFill>
+              </a:rPr>
+              <a:t>Tú</a:t>
+            </a:r>
+            <a:r>
+              <a:rPr lang="en-US" dirty="0" smtClean="0">
+                <a:solidFill>
+                  <a:srgbClr val="FF0000"/>
+                </a:solidFill>
+              </a:rPr>
+              <a:t> </a:t>
+            </a:r>
+            <a:r>
+              <a:rPr lang="en-US" dirty="0" err="1" smtClean="0">
+                <a:solidFill>
+                  <a:srgbClr val="FF0000"/>
+                </a:solidFill>
+              </a:rPr>
+              <a:t>Đội</a:t>
+            </a:r>
+            <a:r>
+              <a:rPr lang="en-US" dirty="0" smtClean="0">
+                <a:solidFill>
+                  <a:srgbClr val="FF0000"/>
+                </a:solidFill>
+              </a:rPr>
+              <a:t>)</a:t>
+            </a:r>
+            <a:endParaRPr lang="en-US" dirty="0" smtClean="0">
+              <a:solidFill>
+                <a:srgbClr val="FF0000"/>
+              </a:solidFill>
+            </a:endParaRPr>
           </a:p>
           <a:p>
             <a:r>

--- a/Nhom4.pptx
+++ b/Nhom4.pptx
@@ -10247,8 +10247,8 @@
         </p:nvSpPr>
         <p:spPr>
           <a:xfrm>
-            <a:off x="6324600" y="3581400"/>
-            <a:ext cx="2789290" cy="2031325"/>
+            <a:off x="5638800" y="3540711"/>
+            <a:ext cx="3370603" cy="2031325"/>
           </a:xfrm>
           <a:prstGeom prst="rect">
             <a:avLst/>
@@ -10320,6 +10320,22 @@
                 </a:solidFill>
               </a:rPr>
               <a:t>Đội</a:t>
+            </a:r>
+            <a:r>
+              <a:rPr lang="en-US" dirty="0" smtClean="0">
+                <a:solidFill>
+                  <a:srgbClr val="FF0000"/>
+                </a:solidFill>
+              </a:rPr>
+              <a:t> </a:t>
+            </a:r>
+            <a:r>
+              <a:rPr lang="en-US" dirty="0" err="1" smtClean="0">
+                <a:solidFill>
+                  <a:srgbClr val="FF0000"/>
+                </a:solidFill>
+              </a:rPr>
+              <a:t>Trưởng</a:t>
             </a:r>
             <a:r>
               <a:rPr lang="en-US" dirty="0" smtClean="0">

--- a/Nhom4.pptx
+++ b/Nhom4.pptx
@@ -10345,11 +10345,6 @@
               </a:rPr>
               <a:t>)</a:t>
             </a:r>
-            <a:endParaRPr lang="en-US" dirty="0" smtClean="0">
-              <a:solidFill>
-                <a:srgbClr val="FF0000"/>
-              </a:solidFill>
-            </a:endParaRPr>
           </a:p>
           <a:p>
             <a:r>

--- a/Nhom4.pptx
+++ b/Nhom4.pptx
@@ -10248,7 +10248,7 @@
         <p:spPr>
           <a:xfrm>
             <a:off x="6324600" y="3581400"/>
-            <a:ext cx="2789290" cy="2031325"/>
+            <a:ext cx="3177088" cy="2031325"/>
           </a:xfrm>
           <a:prstGeom prst="rect">
             <a:avLst/>
@@ -10306,28 +10306,12 @@
               <a:t>Tú</a:t>
             </a:r>
             <a:r>
-              <a:rPr lang="en-US" dirty="0" smtClean="0">
+              <a:rPr lang="en-US" smtClean="0">
                 <a:solidFill>
                   <a:srgbClr val="FF0000"/>
                 </a:solidFill>
               </a:rPr>
-              <a:t> </a:t>
-            </a:r>
-            <a:r>
-              <a:rPr lang="en-US" dirty="0" err="1" smtClean="0">
-                <a:solidFill>
-                  <a:srgbClr val="FF0000"/>
-                </a:solidFill>
-              </a:rPr>
-              <a:t>Đội</a:t>
-            </a:r>
-            <a:r>
-              <a:rPr lang="en-US" dirty="0" smtClean="0">
-                <a:solidFill>
-                  <a:srgbClr val="FF0000"/>
-                </a:solidFill>
-              </a:rPr>
-              <a:t>)</a:t>
+              <a:t> CAPITAN)</a:t>
             </a:r>
             <a:endParaRPr lang="en-US" dirty="0" smtClean="0">
               <a:solidFill>

--- a/Nhom4.pptx
+++ b/Nhom4.pptx
@@ -974,49 +974,21 @@
               <a:latin typeface="Arial" pitchFamily="34" charset="0"/>
               <a:cs typeface="Arial" pitchFamily="34" charset="0"/>
             </a:rPr>
-            <a:t>Kết</a:t>
+            <a:t>Loofn</a:t>
           </a:r>
           <a:r>
-            <a:rPr lang="en-US" dirty="0" smtClean="0">
+            <a:rPr lang="en-US" baseline="0" dirty="0" smtClean="0">
               <a:latin typeface="Arial" pitchFamily="34" charset="0"/>
               <a:cs typeface="Arial" pitchFamily="34" charset="0"/>
             </a:rPr>
             <a:t> </a:t>
           </a:r>
           <a:r>
-            <a:rPr lang="en-US" dirty="0" err="1" smtClean="0">
+            <a:rPr lang="en-US" baseline="0" smtClean="0">
               <a:latin typeface="Arial" pitchFamily="34" charset="0"/>
               <a:cs typeface="Arial" pitchFamily="34" charset="0"/>
             </a:rPr>
-            <a:t>quả</a:t>
-          </a:r>
-          <a:r>
-            <a:rPr lang="en-US" dirty="0" smtClean="0">
-              <a:latin typeface="Arial" pitchFamily="34" charset="0"/>
-              <a:cs typeface="Arial" pitchFamily="34" charset="0"/>
-            </a:rPr>
-            <a:t> </a:t>
-          </a:r>
-          <a:r>
-            <a:rPr lang="en-US" dirty="0" err="1" smtClean="0">
-              <a:latin typeface="Arial" pitchFamily="34" charset="0"/>
-              <a:cs typeface="Arial" pitchFamily="34" charset="0"/>
-            </a:rPr>
-            <a:t>đạt</a:t>
-          </a:r>
-          <a:r>
-            <a:rPr lang="en-US" dirty="0" smtClean="0">
-              <a:latin typeface="Arial" pitchFamily="34" charset="0"/>
-              <a:cs typeface="Arial" pitchFamily="34" charset="0"/>
-            </a:rPr>
-            <a:t> </a:t>
-          </a:r>
-          <a:r>
-            <a:rPr lang="en-US" dirty="0" err="1" smtClean="0">
-              <a:latin typeface="Arial" pitchFamily="34" charset="0"/>
-              <a:cs typeface="Arial" pitchFamily="34" charset="0"/>
-            </a:rPr>
-            <a:t>được</a:t>
+            <a:t>phafnh</a:t>
           </a:r>
           <a:endParaRPr lang="en-US" dirty="0">
             <a:latin typeface="Arial" pitchFamily="34" charset="0"/>
@@ -1192,7 +1164,7 @@
       <dgm:spPr/>
     </dgm:pt>
     <dgm:pt modelId="{275D5AA6-5715-42FE-8BE2-247A2E47B1A0}" type="pres">
-      <dgm:prSet presAssocID="{B214817F-2CFC-4E5E-9600-F80AC291F7B0}" presName="rect2" presStyleLbl="alignAcc1" presStyleIdx="1" presStyleCnt="3"/>
+      <dgm:prSet presAssocID="{B214817F-2CFC-4E5E-9600-F80AC291F7B0}" presName="rect2" presStyleLbl="alignAcc1" presStyleIdx="1" presStyleCnt="3" custLinFactNeighborX="956" custLinFactNeighborY="4810"/>
       <dgm:spPr/>
       <dgm:t>
         <a:bodyPr/>
@@ -1550,7 +1522,7 @@
       </dsp:nvSpPr>
       <dsp:spPr>
         <a:xfrm>
-          <a:off x="1789906" y="1073945"/>
+          <a:off x="1789906" y="1185868"/>
           <a:ext cx="5731669" cy="2326875"/>
         </a:xfrm>
         <a:prstGeom prst="rect">
@@ -1612,49 +1584,21 @@
               <a:latin typeface="Arial" pitchFamily="34" charset="0"/>
               <a:cs typeface="Arial" pitchFamily="34" charset="0"/>
             </a:rPr>
-            <a:t>Kết</a:t>
+            <a:t>Loofn</a:t>
           </a:r>
           <a:r>
-            <a:rPr lang="en-US" sz="3900" kern="1200" dirty="0" smtClean="0">
+            <a:rPr lang="en-US" sz="3900" kern="1200" baseline="0" dirty="0" smtClean="0">
               <a:latin typeface="Arial" pitchFamily="34" charset="0"/>
               <a:cs typeface="Arial" pitchFamily="34" charset="0"/>
             </a:rPr>
             <a:t> </a:t>
           </a:r>
           <a:r>
-            <a:rPr lang="en-US" sz="3900" kern="1200" dirty="0" err="1" smtClean="0">
+            <a:rPr lang="en-US" sz="3900" kern="1200" baseline="0" smtClean="0">
               <a:latin typeface="Arial" pitchFamily="34" charset="0"/>
               <a:cs typeface="Arial" pitchFamily="34" charset="0"/>
             </a:rPr>
-            <a:t>quả</a:t>
-          </a:r>
-          <a:r>
-            <a:rPr lang="en-US" sz="3900" kern="1200" dirty="0" smtClean="0">
-              <a:latin typeface="Arial" pitchFamily="34" charset="0"/>
-              <a:cs typeface="Arial" pitchFamily="34" charset="0"/>
-            </a:rPr>
-            <a:t> </a:t>
-          </a:r>
-          <a:r>
-            <a:rPr lang="en-US" sz="3900" kern="1200" dirty="0" err="1" smtClean="0">
-              <a:latin typeface="Arial" pitchFamily="34" charset="0"/>
-              <a:cs typeface="Arial" pitchFamily="34" charset="0"/>
-            </a:rPr>
-            <a:t>đạt</a:t>
-          </a:r>
-          <a:r>
-            <a:rPr lang="en-US" sz="3900" kern="1200" dirty="0" smtClean="0">
-              <a:latin typeface="Arial" pitchFamily="34" charset="0"/>
-              <a:cs typeface="Arial" pitchFamily="34" charset="0"/>
-            </a:rPr>
-            <a:t> </a:t>
-          </a:r>
-          <a:r>
-            <a:rPr lang="en-US" sz="3900" kern="1200" dirty="0" err="1" smtClean="0">
-              <a:latin typeface="Arial" pitchFamily="34" charset="0"/>
-              <a:cs typeface="Arial" pitchFamily="34" charset="0"/>
-            </a:rPr>
-            <a:t>được</a:t>
+            <a:t>phafnh</a:t>
           </a:r>
           <a:endParaRPr lang="en-US" sz="3900" kern="1200" dirty="0">
             <a:latin typeface="Arial" pitchFamily="34" charset="0"/>
@@ -1663,7 +1607,7 @@
         </a:p>
       </dsp:txBody>
       <dsp:txXfrm>
-        <a:off x="1789906" y="1073945"/>
+        <a:off x="1789906" y="1185868"/>
         <a:ext cx="5731669" cy="1073942"/>
       </dsp:txXfrm>
     </dsp:sp>
@@ -10329,11 +10273,6 @@
               </a:rPr>
               <a:t>)</a:t>
             </a:r>
-            <a:endParaRPr lang="en-US" dirty="0" smtClean="0">
-              <a:solidFill>
-                <a:srgbClr val="FF0000"/>
-              </a:solidFill>
-            </a:endParaRPr>
           </a:p>
           <a:p>
             <a:r>
@@ -10920,7 +10859,7 @@
             <p:ph idx="1"/>
             <p:extLst>
               <p:ext uri="{D42A27DB-BD31-4B8C-83A1-F6EECF244321}">
-                <p14:modId xmlns:p14="http://schemas.microsoft.com/office/powerpoint/2010/main" val="3355784212"/>
+                <p14:modId xmlns:p14="http://schemas.microsoft.com/office/powerpoint/2010/main" val="3521819481"/>
               </p:ext>
             </p:extLst>
           </p:nvPr>

--- a/Nhom4.pptx
+++ b/Nhom4.pptx
@@ -16494,7 +16494,7 @@
             <a:fld id="{7D0065BE-0657-4A47-90AD-C21C55E16B19}" type="datetime4">
               <a:rPr lang="en-US" smtClean="0"/>
               <a:pPr/>
-              <a:t>November 30, 2017</a:t>
+              <a:t>December 3, 2017</a:t>
             </a:fld>
             <a:endParaRPr lang="en-US"/>
           </a:p>
@@ -16559,6 +16559,519 @@
 </file>
 
 <file path=ppt/slideLayouts/slideLayout10.xml><?xml version="1.0" encoding="utf-8"?>
+<p:sldLayout xmlns:a="http://schemas.openxmlformats.org/drawingml/2006/main" xmlns:r="http://schemas.openxmlformats.org/officeDocument/2006/relationships" xmlns:p="http://schemas.openxmlformats.org/presentationml/2006/main" showMasterSp="0" type="picTx" preserve="1">
+  <p:cSld name="Picture with Caption">
+    <p:spTree>
+      <p:nvGrpSpPr>
+        <p:cNvPr id="1" name=""/>
+        <p:cNvGrpSpPr/>
+        <p:nvPr/>
+      </p:nvGrpSpPr>
+      <p:grpSpPr>
+        <a:xfrm>
+          <a:off x="0" y="0"/>
+          <a:ext cx="0" cy="0"/>
+          <a:chOff x="0" y="0"/>
+          <a:chExt cx="0" cy="0"/>
+        </a:xfrm>
+      </p:grpSpPr>
+      <p:sp>
+        <p:nvSpPr>
+          <p:cNvPr id="11" name="Picture Placeholder 10"/>
+          <p:cNvSpPr>
+            <a:spLocks noGrp="1"/>
+          </p:cNvSpPr>
+          <p:nvPr>
+            <p:ph type="pic" sz="quarter" idx="14"/>
+          </p:nvPr>
+        </p:nvSpPr>
+        <p:spPr>
+          <a:xfrm>
+            <a:off x="2028825" y="0"/>
+            <a:ext cx="7115175" cy="6858000"/>
+          </a:xfrm>
+          <a:custGeom>
+            <a:avLst/>
+            <a:gdLst>
+              <a:gd name="connsiteX0" fmla="*/ 0 w 7104888"/>
+              <a:gd name="connsiteY0" fmla="*/ 0 h 6858000"/>
+              <a:gd name="connsiteX1" fmla="*/ 7104888 w 7104888"/>
+              <a:gd name="connsiteY1" fmla="*/ 0 h 6858000"/>
+              <a:gd name="connsiteX2" fmla="*/ 7104888 w 7104888"/>
+              <a:gd name="connsiteY2" fmla="*/ 6858000 h 6858000"/>
+              <a:gd name="connsiteX3" fmla="*/ 0 w 7104888"/>
+              <a:gd name="connsiteY3" fmla="*/ 6858000 h 6858000"/>
+              <a:gd name="connsiteX4" fmla="*/ 0 w 7104888"/>
+              <a:gd name="connsiteY4" fmla="*/ 0 h 6858000"/>
+              <a:gd name="connsiteX0" fmla="*/ 0 w 7104888"/>
+              <a:gd name="connsiteY0" fmla="*/ 0 h 6858000"/>
+              <a:gd name="connsiteX1" fmla="*/ 5695188 w 7104888"/>
+              <a:gd name="connsiteY1" fmla="*/ 0 h 6858000"/>
+              <a:gd name="connsiteX2" fmla="*/ 7104888 w 7104888"/>
+              <a:gd name="connsiteY2" fmla="*/ 0 h 6858000"/>
+              <a:gd name="connsiteX3" fmla="*/ 7104888 w 7104888"/>
+              <a:gd name="connsiteY3" fmla="*/ 6858000 h 6858000"/>
+              <a:gd name="connsiteX4" fmla="*/ 0 w 7104888"/>
+              <a:gd name="connsiteY4" fmla="*/ 6858000 h 6858000"/>
+              <a:gd name="connsiteX5" fmla="*/ 0 w 7104888"/>
+              <a:gd name="connsiteY5" fmla="*/ 0 h 6858000"/>
+              <a:gd name="connsiteX0" fmla="*/ 10287 w 7115175"/>
+              <a:gd name="connsiteY0" fmla="*/ 0 h 6858000"/>
+              <a:gd name="connsiteX1" fmla="*/ 5705475 w 7115175"/>
+              <a:gd name="connsiteY1" fmla="*/ 0 h 6858000"/>
+              <a:gd name="connsiteX2" fmla="*/ 7115175 w 7115175"/>
+              <a:gd name="connsiteY2" fmla="*/ 0 h 6858000"/>
+              <a:gd name="connsiteX3" fmla="*/ 7115175 w 7115175"/>
+              <a:gd name="connsiteY3" fmla="*/ 6858000 h 6858000"/>
+              <a:gd name="connsiteX4" fmla="*/ 10287 w 7115175"/>
+              <a:gd name="connsiteY4" fmla="*/ 6858000 h 6858000"/>
+              <a:gd name="connsiteX5" fmla="*/ 0 w 7115175"/>
+              <a:gd name="connsiteY5" fmla="*/ 5048250 h 6858000"/>
+              <a:gd name="connsiteX6" fmla="*/ 10287 w 7115175"/>
+              <a:gd name="connsiteY6" fmla="*/ 0 h 6858000"/>
+              <a:gd name="connsiteX0" fmla="*/ 10287 w 7115175"/>
+              <a:gd name="connsiteY0" fmla="*/ 0 h 6858000"/>
+              <a:gd name="connsiteX1" fmla="*/ 5705475 w 7115175"/>
+              <a:gd name="connsiteY1" fmla="*/ 0 h 6858000"/>
+              <a:gd name="connsiteX2" fmla="*/ 7115175 w 7115175"/>
+              <a:gd name="connsiteY2" fmla="*/ 0 h 6858000"/>
+              <a:gd name="connsiteX3" fmla="*/ 7115175 w 7115175"/>
+              <a:gd name="connsiteY3" fmla="*/ 6858000 h 6858000"/>
+              <a:gd name="connsiteX4" fmla="*/ 1533526 w 7115175"/>
+              <a:gd name="connsiteY4" fmla="*/ 6848475 h 6858000"/>
+              <a:gd name="connsiteX5" fmla="*/ 10287 w 7115175"/>
+              <a:gd name="connsiteY5" fmla="*/ 6858000 h 6858000"/>
+              <a:gd name="connsiteX6" fmla="*/ 0 w 7115175"/>
+              <a:gd name="connsiteY6" fmla="*/ 5048250 h 6858000"/>
+              <a:gd name="connsiteX7" fmla="*/ 10287 w 7115175"/>
+              <a:gd name="connsiteY7" fmla="*/ 0 h 6858000"/>
+              <a:gd name="connsiteX0" fmla="*/ 10287 w 7115175"/>
+              <a:gd name="connsiteY0" fmla="*/ 0 h 6858000"/>
+              <a:gd name="connsiteX1" fmla="*/ 5705475 w 7115175"/>
+              <a:gd name="connsiteY1" fmla="*/ 0 h 6858000"/>
+              <a:gd name="connsiteX2" fmla="*/ 7115175 w 7115175"/>
+              <a:gd name="connsiteY2" fmla="*/ 0 h 6858000"/>
+              <a:gd name="connsiteX3" fmla="*/ 7115175 w 7115175"/>
+              <a:gd name="connsiteY3" fmla="*/ 6858000 h 6858000"/>
+              <a:gd name="connsiteX4" fmla="*/ 1533526 w 7115175"/>
+              <a:gd name="connsiteY4" fmla="*/ 6848475 h 6858000"/>
+              <a:gd name="connsiteX5" fmla="*/ 0 w 7115175"/>
+              <a:gd name="connsiteY5" fmla="*/ 5048250 h 6858000"/>
+              <a:gd name="connsiteX6" fmla="*/ 10287 w 7115175"/>
+              <a:gd name="connsiteY6" fmla="*/ 0 h 6858000"/>
+              <a:gd name="connsiteX0" fmla="*/ 0 w 7115175"/>
+              <a:gd name="connsiteY0" fmla="*/ 5048250 h 6858000"/>
+              <a:gd name="connsiteX1" fmla="*/ 5705475 w 7115175"/>
+              <a:gd name="connsiteY1" fmla="*/ 0 h 6858000"/>
+              <a:gd name="connsiteX2" fmla="*/ 7115175 w 7115175"/>
+              <a:gd name="connsiteY2" fmla="*/ 0 h 6858000"/>
+              <a:gd name="connsiteX3" fmla="*/ 7115175 w 7115175"/>
+              <a:gd name="connsiteY3" fmla="*/ 6858000 h 6858000"/>
+              <a:gd name="connsiteX4" fmla="*/ 1533526 w 7115175"/>
+              <a:gd name="connsiteY4" fmla="*/ 6848475 h 6858000"/>
+              <a:gd name="connsiteX5" fmla="*/ 0 w 7115175"/>
+              <a:gd name="connsiteY5" fmla="*/ 5048250 h 6858000"/>
+            </a:gdLst>
+            <a:ahLst/>
+            <a:cxnLst>
+              <a:cxn ang="0">
+                <a:pos x="connsiteX0" y="connsiteY0"/>
+              </a:cxn>
+              <a:cxn ang="0">
+                <a:pos x="connsiteX1" y="connsiteY1"/>
+              </a:cxn>
+              <a:cxn ang="0">
+                <a:pos x="connsiteX2" y="connsiteY2"/>
+              </a:cxn>
+              <a:cxn ang="0">
+                <a:pos x="connsiteX3" y="connsiteY3"/>
+              </a:cxn>
+              <a:cxn ang="0">
+                <a:pos x="connsiteX4" y="connsiteY4"/>
+              </a:cxn>
+              <a:cxn ang="0">
+                <a:pos x="connsiteX5" y="connsiteY5"/>
+              </a:cxn>
+            </a:cxnLst>
+            <a:rect l="l" t="t" r="r" b="b"/>
+            <a:pathLst>
+              <a:path w="7115175" h="6858000">
+                <a:moveTo>
+                  <a:pt x="0" y="5048250"/>
+                </a:moveTo>
+                <a:lnTo>
+                  <a:pt x="5705475" y="0"/>
+                </a:lnTo>
+                <a:lnTo>
+                  <a:pt x="7115175" y="0"/>
+                </a:lnTo>
+                <a:lnTo>
+                  <a:pt x="7115175" y="6858000"/>
+                </a:lnTo>
+                <a:lnTo>
+                  <a:pt x="1533526" y="6848475"/>
+                </a:lnTo>
+                <a:lnTo>
+                  <a:pt x="0" y="5048250"/>
+                </a:lnTo>
+                <a:close/>
+              </a:path>
+            </a:pathLst>
+          </a:custGeom>
+          <a:solidFill>
+            <a:schemeClr val="accent3">
+              <a:alpha val="80000"/>
+            </a:schemeClr>
+          </a:solidFill>
+        </p:spPr>
+        <p:txBody>
+          <a:bodyPr rIns="182880" anchor="ctr"/>
+          <a:lstStyle>
+            <a:lvl1pPr algn="r">
+              <a:defRPr/>
+            </a:lvl1pPr>
+          </a:lstStyle>
+          <a:p>
+            <a:r>
+              <a:rPr lang="en-US" smtClean="0"/>
+              <a:t>Click icon to add picture</a:t>
+            </a:r>
+            <a:endParaRPr lang="en-US" dirty="0"/>
+          </a:p>
+        </p:txBody>
+      </p:sp>
+      <p:sp>
+        <p:nvSpPr>
+          <p:cNvPr id="9" name="Right Triangle 8"/>
+          <p:cNvSpPr/>
+          <p:nvPr/>
+        </p:nvSpPr>
+        <p:spPr>
+          <a:xfrm>
+            <a:off x="0" y="2647950"/>
+            <a:ext cx="3571875" cy="4210050"/>
+          </a:xfrm>
+          <a:prstGeom prst="rtTriangle">
+            <a:avLst/>
+          </a:prstGeom>
+          <a:solidFill>
+            <a:schemeClr val="accent2"/>
+          </a:solidFill>
+          <a:ln>
+            <a:noFill/>
+          </a:ln>
+        </p:spPr>
+        <p:style>
+          <a:lnRef idx="2">
+            <a:schemeClr val="accent1">
+              <a:shade val="50000"/>
+            </a:schemeClr>
+          </a:lnRef>
+          <a:fillRef idx="1">
+            <a:schemeClr val="accent1"/>
+          </a:fillRef>
+          <a:effectRef idx="0">
+            <a:schemeClr val="accent1"/>
+          </a:effectRef>
+          <a:fontRef idx="minor">
+            <a:schemeClr val="lt1"/>
+          </a:fontRef>
+        </p:style>
+        <p:txBody>
+          <a:bodyPr rtlCol="0" anchor="ctr"/>
+          <a:lstStyle/>
+          <a:p>
+            <a:pPr algn="ctr"/>
+            <a:endParaRPr lang="en-US"/>
+          </a:p>
+        </p:txBody>
+      </p:sp>
+      <p:sp>
+        <p:nvSpPr>
+          <p:cNvPr id="10" name="Freeform 9"/>
+          <p:cNvSpPr/>
+          <p:nvPr/>
+        </p:nvSpPr>
+        <p:spPr>
+          <a:xfrm>
+            <a:off x="0" y="5048250"/>
+            <a:ext cx="3571875" cy="1809750"/>
+          </a:xfrm>
+          <a:custGeom>
+            <a:avLst/>
+            <a:gdLst>
+              <a:gd name="connsiteX0" fmla="*/ 0 w 3571875"/>
+              <a:gd name="connsiteY0" fmla="*/ 4210050 h 4210050"/>
+              <a:gd name="connsiteX1" fmla="*/ 0 w 3571875"/>
+              <a:gd name="connsiteY1" fmla="*/ 0 h 4210050"/>
+              <a:gd name="connsiteX2" fmla="*/ 3571875 w 3571875"/>
+              <a:gd name="connsiteY2" fmla="*/ 4210050 h 4210050"/>
+              <a:gd name="connsiteX3" fmla="*/ 0 w 3571875"/>
+              <a:gd name="connsiteY3" fmla="*/ 4210050 h 4210050"/>
+              <a:gd name="connsiteX0" fmla="*/ 0 w 3571875"/>
+              <a:gd name="connsiteY0" fmla="*/ 1809750 h 1809750"/>
+              <a:gd name="connsiteX1" fmla="*/ 1895475 w 3571875"/>
+              <a:gd name="connsiteY1" fmla="*/ 0 h 1809750"/>
+              <a:gd name="connsiteX2" fmla="*/ 3571875 w 3571875"/>
+              <a:gd name="connsiteY2" fmla="*/ 1809750 h 1809750"/>
+              <a:gd name="connsiteX3" fmla="*/ 0 w 3571875"/>
+              <a:gd name="connsiteY3" fmla="*/ 1809750 h 1809750"/>
+              <a:gd name="connsiteX0" fmla="*/ 0 w 3571875"/>
+              <a:gd name="connsiteY0" fmla="*/ 1809750 h 1809750"/>
+              <a:gd name="connsiteX1" fmla="*/ 2038350 w 3571875"/>
+              <a:gd name="connsiteY1" fmla="*/ 0 h 1809750"/>
+              <a:gd name="connsiteX2" fmla="*/ 3571875 w 3571875"/>
+              <a:gd name="connsiteY2" fmla="*/ 1809750 h 1809750"/>
+              <a:gd name="connsiteX3" fmla="*/ 0 w 3571875"/>
+              <a:gd name="connsiteY3" fmla="*/ 1809750 h 1809750"/>
+            </a:gdLst>
+            <a:ahLst/>
+            <a:cxnLst>
+              <a:cxn ang="0">
+                <a:pos x="connsiteX0" y="connsiteY0"/>
+              </a:cxn>
+              <a:cxn ang="0">
+                <a:pos x="connsiteX1" y="connsiteY1"/>
+              </a:cxn>
+              <a:cxn ang="0">
+                <a:pos x="connsiteX2" y="connsiteY2"/>
+              </a:cxn>
+              <a:cxn ang="0">
+                <a:pos x="connsiteX3" y="connsiteY3"/>
+              </a:cxn>
+            </a:cxnLst>
+            <a:rect l="l" t="t" r="r" b="b"/>
+            <a:pathLst>
+              <a:path w="3571875" h="1809750">
+                <a:moveTo>
+                  <a:pt x="0" y="1809750"/>
+                </a:moveTo>
+                <a:lnTo>
+                  <a:pt x="2038350" y="0"/>
+                </a:lnTo>
+                <a:lnTo>
+                  <a:pt x="3571875" y="1809750"/>
+                </a:lnTo>
+                <a:lnTo>
+                  <a:pt x="0" y="1809750"/>
+                </a:lnTo>
+                <a:close/>
+              </a:path>
+            </a:pathLst>
+          </a:custGeom>
+          <a:solidFill>
+            <a:schemeClr val="accent3">
+              <a:alpha val="80000"/>
+            </a:schemeClr>
+          </a:solidFill>
+          <a:ln>
+            <a:noFill/>
+          </a:ln>
+        </p:spPr>
+        <p:style>
+          <a:lnRef idx="2">
+            <a:schemeClr val="accent1">
+              <a:shade val="50000"/>
+            </a:schemeClr>
+          </a:lnRef>
+          <a:fillRef idx="1">
+            <a:schemeClr val="accent1"/>
+          </a:fillRef>
+          <a:effectRef idx="0">
+            <a:schemeClr val="accent1"/>
+          </a:effectRef>
+          <a:fontRef idx="minor">
+            <a:schemeClr val="lt1"/>
+          </a:fontRef>
+        </p:style>
+        <p:txBody>
+          <a:bodyPr rtlCol="0" anchor="ctr"/>
+          <a:lstStyle/>
+          <a:p>
+            <a:pPr algn="ctr"/>
+            <a:endParaRPr lang="en-US"/>
+          </a:p>
+        </p:txBody>
+      </p:sp>
+      <p:sp>
+        <p:nvSpPr>
+          <p:cNvPr id="2" name="Title 1"/>
+          <p:cNvSpPr>
+            <a:spLocks noGrp="1"/>
+          </p:cNvSpPr>
+          <p:nvPr>
+            <p:ph type="title"/>
+          </p:nvPr>
+        </p:nvSpPr>
+        <p:spPr>
+          <a:xfrm rot="19140000">
+            <a:off x="671197" y="1717501"/>
+            <a:ext cx="5486400" cy="867444"/>
+          </a:xfrm>
+        </p:spPr>
+        <p:txBody>
+          <a:bodyPr anchor="b"/>
+          <a:lstStyle>
+            <a:lvl1pPr algn="l">
+              <a:defRPr sz="2800" b="0">
+                <a:latin typeface="+mj-lt"/>
+              </a:defRPr>
+            </a:lvl1pPr>
+          </a:lstStyle>
+          <a:p>
+            <a:r>
+              <a:rPr lang="en-US" smtClean="0"/>
+              <a:t>Click to edit Master title style</a:t>
+            </a:r>
+            <a:endParaRPr lang="en-US" dirty="0"/>
+          </a:p>
+        </p:txBody>
+      </p:sp>
+      <p:sp>
+        <p:nvSpPr>
+          <p:cNvPr id="4" name="Text Placeholder 3"/>
+          <p:cNvSpPr>
+            <a:spLocks noGrp="1"/>
+          </p:cNvSpPr>
+          <p:nvPr>
+            <p:ph type="body" sz="half" idx="2"/>
+          </p:nvPr>
+        </p:nvSpPr>
+        <p:spPr>
+          <a:xfrm rot="19140000">
+            <a:off x="1143479" y="2180529"/>
+            <a:ext cx="6096545" cy="740664"/>
+          </a:xfrm>
+        </p:spPr>
+        <p:txBody>
+          <a:bodyPr/>
+          <a:lstStyle>
+            <a:lvl1pPr marL="0" indent="0">
+              <a:buNone/>
+              <a:defRPr sz="1400">
+                <a:solidFill>
+                  <a:schemeClr val="tx2"/>
+                </a:solidFill>
+              </a:defRPr>
+            </a:lvl1pPr>
+            <a:lvl2pPr marL="457200" indent="0">
+              <a:buNone/>
+              <a:defRPr sz="1200"/>
+            </a:lvl2pPr>
+            <a:lvl3pPr marL="914400" indent="0">
+              <a:buNone/>
+              <a:defRPr sz="1000"/>
+            </a:lvl3pPr>
+            <a:lvl4pPr marL="1371600" indent="0">
+              <a:buNone/>
+              <a:defRPr sz="900"/>
+            </a:lvl4pPr>
+            <a:lvl5pPr marL="1828800" indent="0">
+              <a:buNone/>
+              <a:defRPr sz="900"/>
+            </a:lvl5pPr>
+            <a:lvl6pPr marL="2286000" indent="0">
+              <a:buNone/>
+              <a:defRPr sz="900"/>
+            </a:lvl6pPr>
+            <a:lvl7pPr marL="2743200" indent="0">
+              <a:buNone/>
+              <a:defRPr sz="900"/>
+            </a:lvl7pPr>
+            <a:lvl8pPr marL="3200400" indent="0">
+              <a:buNone/>
+              <a:defRPr sz="900"/>
+            </a:lvl8pPr>
+            <a:lvl9pPr marL="3657600" indent="0">
+              <a:buNone/>
+              <a:defRPr sz="900"/>
+            </a:lvl9pPr>
+          </a:lstStyle>
+          <a:p>
+            <a:pPr lvl="0"/>
+            <a:r>
+              <a:rPr lang="en-US" smtClean="0"/>
+              <a:t>Click to edit Master text styles</a:t>
+            </a:r>
+          </a:p>
+        </p:txBody>
+      </p:sp>
+      <p:sp>
+        <p:nvSpPr>
+          <p:cNvPr id="5" name="Date Placeholder 4"/>
+          <p:cNvSpPr>
+            <a:spLocks noGrp="1"/>
+          </p:cNvSpPr>
+          <p:nvPr>
+            <p:ph type="dt" sz="half" idx="10"/>
+          </p:nvPr>
+        </p:nvSpPr>
+        <p:spPr/>
+        <p:txBody>
+          <a:bodyPr/>
+          <a:lstStyle/>
+          <a:p>
+            <a:fld id="{E3416D63-31BF-4B94-B6C5-E20B2C63F515}" type="datetime4">
+              <a:rPr lang="en-US" smtClean="0"/>
+              <a:pPr/>
+              <a:t>December 3, 2017</a:t>
+            </a:fld>
+            <a:endParaRPr lang="en-US"/>
+          </a:p>
+        </p:txBody>
+      </p:sp>
+      <p:sp>
+        <p:nvSpPr>
+          <p:cNvPr id="6" name="Footer Placeholder 5"/>
+          <p:cNvSpPr>
+            <a:spLocks noGrp="1"/>
+          </p:cNvSpPr>
+          <p:nvPr>
+            <p:ph type="ftr" sz="quarter" idx="11"/>
+          </p:nvPr>
+        </p:nvSpPr>
+        <p:spPr/>
+        <p:txBody>
+          <a:bodyPr/>
+          <a:lstStyle/>
+          <a:p>
+            <a:endParaRPr lang="en-US"/>
+          </a:p>
+        </p:txBody>
+      </p:sp>
+      <p:sp>
+        <p:nvSpPr>
+          <p:cNvPr id="7" name="Slide Number Placeholder 6"/>
+          <p:cNvSpPr>
+            <a:spLocks noGrp="1"/>
+          </p:cNvSpPr>
+          <p:nvPr>
+            <p:ph type="sldNum" sz="quarter" idx="12"/>
+          </p:nvPr>
+        </p:nvSpPr>
+        <p:spPr/>
+        <p:txBody>
+          <a:bodyPr/>
+          <a:lstStyle/>
+          <a:p>
+            <a:fld id="{2754ED01-E2A0-4C1E-8E21-014B99041579}" type="slidenum">
+              <a:rPr lang="en-US" smtClean="0"/>
+              <a:pPr/>
+              <a:t>‹#›</a:t>
+            </a:fld>
+            <a:endParaRPr lang="en-US"/>
+          </a:p>
+        </p:txBody>
+      </p:sp>
+    </p:spTree>
+  </p:cSld>
+  <p:clrMapOvr>
+    <a:masterClrMapping/>
+  </p:clrMapOvr>
+</p:sldLayout>
+</file>
+
+<file path=ppt/slideLayouts/slideLayout11.xml><?xml version="1.0" encoding="utf-8"?>
 <p:sldLayout xmlns:a="http://schemas.openxmlformats.org/drawingml/2006/main" xmlns:r="http://schemas.openxmlformats.org/officeDocument/2006/relationships" xmlns:p="http://schemas.openxmlformats.org/presentationml/2006/main" type="vertTx" preserve="1">
   <p:cSld name="Title and Vertical Text">
     <p:spTree>
@@ -16668,7 +17181,7 @@
             <a:fld id="{A16C3AA4-67BE-44F7-809A-3582401494AF}" type="datetime4">
               <a:rPr lang="en-US" smtClean="0"/>
               <a:pPr/>
-              <a:t>November 30, 2017</a:t>
+              <a:t>December 3, 2017</a:t>
             </a:fld>
             <a:endParaRPr lang="en-US"/>
           </a:p>
@@ -16725,7 +17238,7 @@
 </p:sldLayout>
 </file>
 
-<file path=ppt/slideLayouts/slideLayout11.xml><?xml version="1.0" encoding="utf-8"?>
+<file path=ppt/slideLayouts/slideLayout12.xml><?xml version="1.0" encoding="utf-8"?>
 <p:sldLayout xmlns:a="http://schemas.openxmlformats.org/drawingml/2006/main" xmlns:r="http://schemas.openxmlformats.org/officeDocument/2006/relationships" xmlns:p="http://schemas.openxmlformats.org/presentationml/2006/main" type="vertTitleAndTx" preserve="1">
   <p:cSld name="Vertical Title and Text">
     <p:spTree>
@@ -16858,7 +17371,7 @@
             <a:fld id="{25172EEB-1769-4776-AD69-E7C1260563EB}" type="datetime4">
               <a:rPr lang="en-US" smtClean="0"/>
               <a:pPr/>
-              <a:t>November 30, 2017</a:t>
+              <a:t>December 3, 2017</a:t>
             </a:fld>
             <a:endParaRPr lang="en-US"/>
           </a:p>
@@ -17032,7 +17545,7 @@
             <a:fld id="{D47BB8AF-C16A-4836-A92D-61834B5F0BA5}" type="datetime4">
               <a:rPr lang="en-US" smtClean="0"/>
               <a:pPr/>
-              <a:t>November 30, 2017</a:t>
+              <a:t>December 3, 2017</a:t>
             </a:fld>
             <a:endParaRPr lang="en-US"/>
           </a:p>
@@ -17594,7 +18107,7 @@
             <a:fld id="{647D2193-4505-4A75-99BB-880C6989A757}" type="datetime4">
               <a:rPr lang="en-US" smtClean="0"/>
               <a:pPr/>
-              <a:t>November 30, 2017</a:t>
+              <a:t>December 3, 2017</a:t>
             </a:fld>
             <a:endParaRPr lang="en-US"/>
           </a:p>
@@ -17863,7 +18376,7 @@
             <a:fld id="{113A18F4-33C3-445B-924C-31108C51719C}" type="datetime4">
               <a:rPr lang="en-US" smtClean="0"/>
               <a:pPr/>
-              <a:t>November 30, 2017</a:t>
+              <a:t>December 3, 2017</a:t>
             </a:fld>
             <a:endParaRPr lang="en-US"/>
           </a:p>
@@ -18353,7 +18866,7 @@
             <a:fld id="{3AF7543A-E259-478F-9E0D-57BA40E442B7}" type="datetime4">
               <a:rPr lang="en-US" smtClean="0"/>
               <a:pPr/>
-              <a:t>November 30, 2017</a:t>
+              <a:t>December 3, 2017</a:t>
             </a:fld>
             <a:endParaRPr lang="en-US"/>
           </a:p>
@@ -18468,7 +18981,7 @@
             <a:fld id="{1EFB012D-77A1-44B0-BB26-329BA1EE55C9}" type="datetime4">
               <a:rPr lang="en-US" smtClean="0"/>
               <a:pPr/>
-              <a:t>November 30, 2017</a:t>
+              <a:t>December 3, 2017</a:t>
             </a:fld>
             <a:endParaRPr lang="en-US"/>
           </a:p>
@@ -18522,10 +19035,144 @@
   <p:clrMapOvr>
     <a:masterClrMapping/>
   </p:clrMapOvr>
+  <p:timing>
+    <p:tnLst>
+      <p:par>
+        <p:cTn id="1" dur="indefinite" restart="never" nodeType="tmRoot"/>
+      </p:par>
+    </p:tnLst>
+  </p:timing>
 </p:sldLayout>
 </file>
 
 <file path=ppt/slideLayouts/slideLayout7.xml><?xml version="1.0" encoding="utf-8"?>
+<p:sldLayout xmlns:a="http://schemas.openxmlformats.org/drawingml/2006/main" xmlns:r="http://schemas.openxmlformats.org/officeDocument/2006/relationships" xmlns:p="http://schemas.openxmlformats.org/presentationml/2006/main" preserve="1" userDrawn="1">
+  <p:cSld name="Custom Layout">
+    <p:spTree>
+      <p:nvGrpSpPr>
+        <p:cNvPr id="1" name=""/>
+        <p:cNvGrpSpPr/>
+        <p:nvPr/>
+      </p:nvGrpSpPr>
+      <p:grpSpPr>
+        <a:xfrm>
+          <a:off x="0" y="0"/>
+          <a:ext cx="0" cy="0"/>
+          <a:chOff x="0" y="0"/>
+          <a:chExt cx="0" cy="0"/>
+        </a:xfrm>
+      </p:grpSpPr>
+      <p:sp>
+        <p:nvSpPr>
+          <p:cNvPr id="2" name="Title 1"/>
+          <p:cNvSpPr>
+            <a:spLocks noGrp="1"/>
+          </p:cNvSpPr>
+          <p:nvPr>
+            <p:ph type="title"/>
+          </p:nvPr>
+        </p:nvSpPr>
+        <p:spPr/>
+        <p:txBody>
+          <a:bodyPr/>
+          <a:lstStyle/>
+          <a:p>
+            <a:r>
+              <a:rPr lang="en-US" smtClean="0"/>
+              <a:t>Click to edit Master title style</a:t>
+            </a:r>
+            <a:endParaRPr lang="en-US"/>
+          </a:p>
+        </p:txBody>
+      </p:sp>
+      <p:sp>
+        <p:nvSpPr>
+          <p:cNvPr id="3" name="Date Placeholder 2"/>
+          <p:cNvSpPr>
+            <a:spLocks noGrp="1"/>
+          </p:cNvSpPr>
+          <p:nvPr>
+            <p:ph type="dt" sz="half" idx="10"/>
+          </p:nvPr>
+        </p:nvSpPr>
+        <p:spPr/>
+        <p:txBody>
+          <a:bodyPr/>
+          <a:lstStyle/>
+          <a:p>
+            <a:fld id="{62B1B13E-D5AF-485E-81A1-82A140076526}" type="datetime4">
+              <a:rPr lang="en-US" smtClean="0"/>
+              <a:pPr/>
+              <a:t>December 3, 2017</a:t>
+            </a:fld>
+            <a:endParaRPr lang="en-US" dirty="0"/>
+          </a:p>
+        </p:txBody>
+      </p:sp>
+      <p:sp>
+        <p:nvSpPr>
+          <p:cNvPr id="4" name="Footer Placeholder 3"/>
+          <p:cNvSpPr>
+            <a:spLocks noGrp="1"/>
+          </p:cNvSpPr>
+          <p:nvPr>
+            <p:ph type="ftr" sz="quarter" idx="11"/>
+          </p:nvPr>
+        </p:nvSpPr>
+        <p:spPr/>
+        <p:txBody>
+          <a:bodyPr/>
+          <a:lstStyle/>
+          <a:p>
+            <a:endParaRPr lang="en-US" dirty="0"/>
+          </a:p>
+        </p:txBody>
+      </p:sp>
+      <p:sp>
+        <p:nvSpPr>
+          <p:cNvPr id="5" name="Slide Number Placeholder 4"/>
+          <p:cNvSpPr>
+            <a:spLocks noGrp="1"/>
+          </p:cNvSpPr>
+          <p:nvPr>
+            <p:ph type="sldNum" sz="quarter" idx="12"/>
+          </p:nvPr>
+        </p:nvSpPr>
+        <p:spPr/>
+        <p:txBody>
+          <a:bodyPr/>
+          <a:lstStyle/>
+          <a:p>
+            <a:fld id="{2754ED01-E2A0-4C1E-8E21-014B99041579}" type="slidenum">
+              <a:rPr lang="en-US" smtClean="0"/>
+              <a:pPr/>
+              <a:t>‹#›</a:t>
+            </a:fld>
+            <a:endParaRPr lang="en-US" dirty="0"/>
+          </a:p>
+        </p:txBody>
+      </p:sp>
+    </p:spTree>
+    <p:extLst>
+      <p:ext uri="{BB962C8B-B14F-4D97-AF65-F5344CB8AC3E}">
+        <p14:creationId xmlns:p14="http://schemas.microsoft.com/office/powerpoint/2010/main" val="4061265769"/>
+      </p:ext>
+    </p:extLst>
+  </p:cSld>
+  <p:clrMapOvr>
+    <a:masterClrMapping/>
+  </p:clrMapOvr>
+  <p:timing>
+    <p:tnLst>
+      <p:par>
+        <p:cTn id="1" dur="indefinite" restart="never" nodeType="tmRoot"/>
+      </p:par>
+    </p:tnLst>
+  </p:timing>
+</p:sldLayout>
+</file>
+
+<file path=ppt/slideLayouts/slideLayout8.xml><?xml version="1.0" encoding="utf-8"?>
 <p:sldLayout xmlns:a="http://schemas.openxmlformats.org/drawingml/2006/main" xmlns:r="http://schemas.openxmlformats.org/officeDocument/2006/relationships" xmlns:p="http://schemas.openxmlformats.org/presentationml/2006/main" type="blank" preserve="1">
   <p:cSld name="Blank">
     <p:spTree>
@@ -18560,7 +19207,7 @@
             <a:fld id="{94B7499E-3031-413E-B01E-B94970708CAA}" type="datetime4">
               <a:rPr lang="en-US" smtClean="0"/>
               <a:pPr/>
-              <a:t>November 30, 2017</a:t>
+              <a:t>December 3, 2017</a:t>
             </a:fld>
             <a:endParaRPr lang="en-US"/>
           </a:p>
@@ -18614,10 +19261,17 @@
   <p:clrMapOvr>
     <a:masterClrMapping/>
   </p:clrMapOvr>
+  <p:timing>
+    <p:tnLst>
+      <p:par>
+        <p:cTn id="1" dur="indefinite" restart="never" nodeType="tmRoot"/>
+      </p:par>
+    </p:tnLst>
+  </p:timing>
 </p:sldLayout>
 </file>
 
-<file path=ppt/slideLayouts/slideLayout8.xml><?xml version="1.0" encoding="utf-8"?>
+<file path=ppt/slideLayouts/slideLayout9.xml><?xml version="1.0" encoding="utf-8"?>
 <p:sldLayout xmlns:a="http://schemas.openxmlformats.org/drawingml/2006/main" xmlns:r="http://schemas.openxmlformats.org/officeDocument/2006/relationships" xmlns:p="http://schemas.openxmlformats.org/presentationml/2006/main" showMasterSp="0" type="objTx" preserve="1">
   <p:cSld name="Content with Caption">
     <p:spTree>
@@ -18996,7 +19650,7 @@
             <a:fld id="{DC7EAB0C-2220-4D0E-A0DD-DB7FA0F742F4}" type="datetime4">
               <a:rPr lang="en-US" smtClean="0"/>
               <a:pPr/>
-              <a:t>November 30, 2017</a:t>
+              <a:t>December 3, 2017</a:t>
             </a:fld>
             <a:endParaRPr lang="en-US"/>
           </a:p>
@@ -19072,519 +19726,13 @@
   <p:clrMapOvr>
     <a:masterClrMapping/>
   </p:clrMapOvr>
-</p:sldLayout>
-</file>
-
-<file path=ppt/slideLayouts/slideLayout9.xml><?xml version="1.0" encoding="utf-8"?>
-<p:sldLayout xmlns:a="http://schemas.openxmlformats.org/drawingml/2006/main" xmlns:r="http://schemas.openxmlformats.org/officeDocument/2006/relationships" xmlns:p="http://schemas.openxmlformats.org/presentationml/2006/main" showMasterSp="0" type="picTx" preserve="1">
-  <p:cSld name="Picture with Caption">
-    <p:spTree>
-      <p:nvGrpSpPr>
-        <p:cNvPr id="1" name=""/>
-        <p:cNvGrpSpPr/>
-        <p:nvPr/>
-      </p:nvGrpSpPr>
-      <p:grpSpPr>
-        <a:xfrm>
-          <a:off x="0" y="0"/>
-          <a:ext cx="0" cy="0"/>
-          <a:chOff x="0" y="0"/>
-          <a:chExt cx="0" cy="0"/>
-        </a:xfrm>
-      </p:grpSpPr>
-      <p:sp>
-        <p:nvSpPr>
-          <p:cNvPr id="11" name="Picture Placeholder 10"/>
-          <p:cNvSpPr>
-            <a:spLocks noGrp="1"/>
-          </p:cNvSpPr>
-          <p:nvPr>
-            <p:ph type="pic" sz="quarter" idx="14"/>
-          </p:nvPr>
-        </p:nvSpPr>
-        <p:spPr>
-          <a:xfrm>
-            <a:off x="2028825" y="0"/>
-            <a:ext cx="7115175" cy="6858000"/>
-          </a:xfrm>
-          <a:custGeom>
-            <a:avLst/>
-            <a:gdLst>
-              <a:gd name="connsiteX0" fmla="*/ 0 w 7104888"/>
-              <a:gd name="connsiteY0" fmla="*/ 0 h 6858000"/>
-              <a:gd name="connsiteX1" fmla="*/ 7104888 w 7104888"/>
-              <a:gd name="connsiteY1" fmla="*/ 0 h 6858000"/>
-              <a:gd name="connsiteX2" fmla="*/ 7104888 w 7104888"/>
-              <a:gd name="connsiteY2" fmla="*/ 6858000 h 6858000"/>
-              <a:gd name="connsiteX3" fmla="*/ 0 w 7104888"/>
-              <a:gd name="connsiteY3" fmla="*/ 6858000 h 6858000"/>
-              <a:gd name="connsiteX4" fmla="*/ 0 w 7104888"/>
-              <a:gd name="connsiteY4" fmla="*/ 0 h 6858000"/>
-              <a:gd name="connsiteX0" fmla="*/ 0 w 7104888"/>
-              <a:gd name="connsiteY0" fmla="*/ 0 h 6858000"/>
-              <a:gd name="connsiteX1" fmla="*/ 5695188 w 7104888"/>
-              <a:gd name="connsiteY1" fmla="*/ 0 h 6858000"/>
-              <a:gd name="connsiteX2" fmla="*/ 7104888 w 7104888"/>
-              <a:gd name="connsiteY2" fmla="*/ 0 h 6858000"/>
-              <a:gd name="connsiteX3" fmla="*/ 7104888 w 7104888"/>
-              <a:gd name="connsiteY3" fmla="*/ 6858000 h 6858000"/>
-              <a:gd name="connsiteX4" fmla="*/ 0 w 7104888"/>
-              <a:gd name="connsiteY4" fmla="*/ 6858000 h 6858000"/>
-              <a:gd name="connsiteX5" fmla="*/ 0 w 7104888"/>
-              <a:gd name="connsiteY5" fmla="*/ 0 h 6858000"/>
-              <a:gd name="connsiteX0" fmla="*/ 10287 w 7115175"/>
-              <a:gd name="connsiteY0" fmla="*/ 0 h 6858000"/>
-              <a:gd name="connsiteX1" fmla="*/ 5705475 w 7115175"/>
-              <a:gd name="connsiteY1" fmla="*/ 0 h 6858000"/>
-              <a:gd name="connsiteX2" fmla="*/ 7115175 w 7115175"/>
-              <a:gd name="connsiteY2" fmla="*/ 0 h 6858000"/>
-              <a:gd name="connsiteX3" fmla="*/ 7115175 w 7115175"/>
-              <a:gd name="connsiteY3" fmla="*/ 6858000 h 6858000"/>
-              <a:gd name="connsiteX4" fmla="*/ 10287 w 7115175"/>
-              <a:gd name="connsiteY4" fmla="*/ 6858000 h 6858000"/>
-              <a:gd name="connsiteX5" fmla="*/ 0 w 7115175"/>
-              <a:gd name="connsiteY5" fmla="*/ 5048250 h 6858000"/>
-              <a:gd name="connsiteX6" fmla="*/ 10287 w 7115175"/>
-              <a:gd name="connsiteY6" fmla="*/ 0 h 6858000"/>
-              <a:gd name="connsiteX0" fmla="*/ 10287 w 7115175"/>
-              <a:gd name="connsiteY0" fmla="*/ 0 h 6858000"/>
-              <a:gd name="connsiteX1" fmla="*/ 5705475 w 7115175"/>
-              <a:gd name="connsiteY1" fmla="*/ 0 h 6858000"/>
-              <a:gd name="connsiteX2" fmla="*/ 7115175 w 7115175"/>
-              <a:gd name="connsiteY2" fmla="*/ 0 h 6858000"/>
-              <a:gd name="connsiteX3" fmla="*/ 7115175 w 7115175"/>
-              <a:gd name="connsiteY3" fmla="*/ 6858000 h 6858000"/>
-              <a:gd name="connsiteX4" fmla="*/ 1533526 w 7115175"/>
-              <a:gd name="connsiteY4" fmla="*/ 6848475 h 6858000"/>
-              <a:gd name="connsiteX5" fmla="*/ 10287 w 7115175"/>
-              <a:gd name="connsiteY5" fmla="*/ 6858000 h 6858000"/>
-              <a:gd name="connsiteX6" fmla="*/ 0 w 7115175"/>
-              <a:gd name="connsiteY6" fmla="*/ 5048250 h 6858000"/>
-              <a:gd name="connsiteX7" fmla="*/ 10287 w 7115175"/>
-              <a:gd name="connsiteY7" fmla="*/ 0 h 6858000"/>
-              <a:gd name="connsiteX0" fmla="*/ 10287 w 7115175"/>
-              <a:gd name="connsiteY0" fmla="*/ 0 h 6858000"/>
-              <a:gd name="connsiteX1" fmla="*/ 5705475 w 7115175"/>
-              <a:gd name="connsiteY1" fmla="*/ 0 h 6858000"/>
-              <a:gd name="connsiteX2" fmla="*/ 7115175 w 7115175"/>
-              <a:gd name="connsiteY2" fmla="*/ 0 h 6858000"/>
-              <a:gd name="connsiteX3" fmla="*/ 7115175 w 7115175"/>
-              <a:gd name="connsiteY3" fmla="*/ 6858000 h 6858000"/>
-              <a:gd name="connsiteX4" fmla="*/ 1533526 w 7115175"/>
-              <a:gd name="connsiteY4" fmla="*/ 6848475 h 6858000"/>
-              <a:gd name="connsiteX5" fmla="*/ 0 w 7115175"/>
-              <a:gd name="connsiteY5" fmla="*/ 5048250 h 6858000"/>
-              <a:gd name="connsiteX6" fmla="*/ 10287 w 7115175"/>
-              <a:gd name="connsiteY6" fmla="*/ 0 h 6858000"/>
-              <a:gd name="connsiteX0" fmla="*/ 0 w 7115175"/>
-              <a:gd name="connsiteY0" fmla="*/ 5048250 h 6858000"/>
-              <a:gd name="connsiteX1" fmla="*/ 5705475 w 7115175"/>
-              <a:gd name="connsiteY1" fmla="*/ 0 h 6858000"/>
-              <a:gd name="connsiteX2" fmla="*/ 7115175 w 7115175"/>
-              <a:gd name="connsiteY2" fmla="*/ 0 h 6858000"/>
-              <a:gd name="connsiteX3" fmla="*/ 7115175 w 7115175"/>
-              <a:gd name="connsiteY3" fmla="*/ 6858000 h 6858000"/>
-              <a:gd name="connsiteX4" fmla="*/ 1533526 w 7115175"/>
-              <a:gd name="connsiteY4" fmla="*/ 6848475 h 6858000"/>
-              <a:gd name="connsiteX5" fmla="*/ 0 w 7115175"/>
-              <a:gd name="connsiteY5" fmla="*/ 5048250 h 6858000"/>
-            </a:gdLst>
-            <a:ahLst/>
-            <a:cxnLst>
-              <a:cxn ang="0">
-                <a:pos x="connsiteX0" y="connsiteY0"/>
-              </a:cxn>
-              <a:cxn ang="0">
-                <a:pos x="connsiteX1" y="connsiteY1"/>
-              </a:cxn>
-              <a:cxn ang="0">
-                <a:pos x="connsiteX2" y="connsiteY2"/>
-              </a:cxn>
-              <a:cxn ang="0">
-                <a:pos x="connsiteX3" y="connsiteY3"/>
-              </a:cxn>
-              <a:cxn ang="0">
-                <a:pos x="connsiteX4" y="connsiteY4"/>
-              </a:cxn>
-              <a:cxn ang="0">
-                <a:pos x="connsiteX5" y="connsiteY5"/>
-              </a:cxn>
-            </a:cxnLst>
-            <a:rect l="l" t="t" r="r" b="b"/>
-            <a:pathLst>
-              <a:path w="7115175" h="6858000">
-                <a:moveTo>
-                  <a:pt x="0" y="5048250"/>
-                </a:moveTo>
-                <a:lnTo>
-                  <a:pt x="5705475" y="0"/>
-                </a:lnTo>
-                <a:lnTo>
-                  <a:pt x="7115175" y="0"/>
-                </a:lnTo>
-                <a:lnTo>
-                  <a:pt x="7115175" y="6858000"/>
-                </a:lnTo>
-                <a:lnTo>
-                  <a:pt x="1533526" y="6848475"/>
-                </a:lnTo>
-                <a:lnTo>
-                  <a:pt x="0" y="5048250"/>
-                </a:lnTo>
-                <a:close/>
-              </a:path>
-            </a:pathLst>
-          </a:custGeom>
-          <a:solidFill>
-            <a:schemeClr val="accent3">
-              <a:alpha val="80000"/>
-            </a:schemeClr>
-          </a:solidFill>
-        </p:spPr>
-        <p:txBody>
-          <a:bodyPr rIns="182880" anchor="ctr"/>
-          <a:lstStyle>
-            <a:lvl1pPr algn="r">
-              <a:defRPr/>
-            </a:lvl1pPr>
-          </a:lstStyle>
-          <a:p>
-            <a:r>
-              <a:rPr lang="en-US" smtClean="0"/>
-              <a:t>Click icon to add picture</a:t>
-            </a:r>
-            <a:endParaRPr lang="en-US" dirty="0"/>
-          </a:p>
-        </p:txBody>
-      </p:sp>
-      <p:sp>
-        <p:nvSpPr>
-          <p:cNvPr id="9" name="Right Triangle 8"/>
-          <p:cNvSpPr/>
-          <p:nvPr/>
-        </p:nvSpPr>
-        <p:spPr>
-          <a:xfrm>
-            <a:off x="0" y="2647950"/>
-            <a:ext cx="3571875" cy="4210050"/>
-          </a:xfrm>
-          <a:prstGeom prst="rtTriangle">
-            <a:avLst/>
-          </a:prstGeom>
-          <a:solidFill>
-            <a:schemeClr val="accent2"/>
-          </a:solidFill>
-          <a:ln>
-            <a:noFill/>
-          </a:ln>
-        </p:spPr>
-        <p:style>
-          <a:lnRef idx="2">
-            <a:schemeClr val="accent1">
-              <a:shade val="50000"/>
-            </a:schemeClr>
-          </a:lnRef>
-          <a:fillRef idx="1">
-            <a:schemeClr val="accent1"/>
-          </a:fillRef>
-          <a:effectRef idx="0">
-            <a:schemeClr val="accent1"/>
-          </a:effectRef>
-          <a:fontRef idx="minor">
-            <a:schemeClr val="lt1"/>
-          </a:fontRef>
-        </p:style>
-        <p:txBody>
-          <a:bodyPr rtlCol="0" anchor="ctr"/>
-          <a:lstStyle/>
-          <a:p>
-            <a:pPr algn="ctr"/>
-            <a:endParaRPr lang="en-US"/>
-          </a:p>
-        </p:txBody>
-      </p:sp>
-      <p:sp>
-        <p:nvSpPr>
-          <p:cNvPr id="10" name="Freeform 9"/>
-          <p:cNvSpPr/>
-          <p:nvPr/>
-        </p:nvSpPr>
-        <p:spPr>
-          <a:xfrm>
-            <a:off x="0" y="5048250"/>
-            <a:ext cx="3571875" cy="1809750"/>
-          </a:xfrm>
-          <a:custGeom>
-            <a:avLst/>
-            <a:gdLst>
-              <a:gd name="connsiteX0" fmla="*/ 0 w 3571875"/>
-              <a:gd name="connsiteY0" fmla="*/ 4210050 h 4210050"/>
-              <a:gd name="connsiteX1" fmla="*/ 0 w 3571875"/>
-              <a:gd name="connsiteY1" fmla="*/ 0 h 4210050"/>
-              <a:gd name="connsiteX2" fmla="*/ 3571875 w 3571875"/>
-              <a:gd name="connsiteY2" fmla="*/ 4210050 h 4210050"/>
-              <a:gd name="connsiteX3" fmla="*/ 0 w 3571875"/>
-              <a:gd name="connsiteY3" fmla="*/ 4210050 h 4210050"/>
-              <a:gd name="connsiteX0" fmla="*/ 0 w 3571875"/>
-              <a:gd name="connsiteY0" fmla="*/ 1809750 h 1809750"/>
-              <a:gd name="connsiteX1" fmla="*/ 1895475 w 3571875"/>
-              <a:gd name="connsiteY1" fmla="*/ 0 h 1809750"/>
-              <a:gd name="connsiteX2" fmla="*/ 3571875 w 3571875"/>
-              <a:gd name="connsiteY2" fmla="*/ 1809750 h 1809750"/>
-              <a:gd name="connsiteX3" fmla="*/ 0 w 3571875"/>
-              <a:gd name="connsiteY3" fmla="*/ 1809750 h 1809750"/>
-              <a:gd name="connsiteX0" fmla="*/ 0 w 3571875"/>
-              <a:gd name="connsiteY0" fmla="*/ 1809750 h 1809750"/>
-              <a:gd name="connsiteX1" fmla="*/ 2038350 w 3571875"/>
-              <a:gd name="connsiteY1" fmla="*/ 0 h 1809750"/>
-              <a:gd name="connsiteX2" fmla="*/ 3571875 w 3571875"/>
-              <a:gd name="connsiteY2" fmla="*/ 1809750 h 1809750"/>
-              <a:gd name="connsiteX3" fmla="*/ 0 w 3571875"/>
-              <a:gd name="connsiteY3" fmla="*/ 1809750 h 1809750"/>
-            </a:gdLst>
-            <a:ahLst/>
-            <a:cxnLst>
-              <a:cxn ang="0">
-                <a:pos x="connsiteX0" y="connsiteY0"/>
-              </a:cxn>
-              <a:cxn ang="0">
-                <a:pos x="connsiteX1" y="connsiteY1"/>
-              </a:cxn>
-              <a:cxn ang="0">
-                <a:pos x="connsiteX2" y="connsiteY2"/>
-              </a:cxn>
-              <a:cxn ang="0">
-                <a:pos x="connsiteX3" y="connsiteY3"/>
-              </a:cxn>
-            </a:cxnLst>
-            <a:rect l="l" t="t" r="r" b="b"/>
-            <a:pathLst>
-              <a:path w="3571875" h="1809750">
-                <a:moveTo>
-                  <a:pt x="0" y="1809750"/>
-                </a:moveTo>
-                <a:lnTo>
-                  <a:pt x="2038350" y="0"/>
-                </a:lnTo>
-                <a:lnTo>
-                  <a:pt x="3571875" y="1809750"/>
-                </a:lnTo>
-                <a:lnTo>
-                  <a:pt x="0" y="1809750"/>
-                </a:lnTo>
-                <a:close/>
-              </a:path>
-            </a:pathLst>
-          </a:custGeom>
-          <a:solidFill>
-            <a:schemeClr val="accent3">
-              <a:alpha val="80000"/>
-            </a:schemeClr>
-          </a:solidFill>
-          <a:ln>
-            <a:noFill/>
-          </a:ln>
-        </p:spPr>
-        <p:style>
-          <a:lnRef idx="2">
-            <a:schemeClr val="accent1">
-              <a:shade val="50000"/>
-            </a:schemeClr>
-          </a:lnRef>
-          <a:fillRef idx="1">
-            <a:schemeClr val="accent1"/>
-          </a:fillRef>
-          <a:effectRef idx="0">
-            <a:schemeClr val="accent1"/>
-          </a:effectRef>
-          <a:fontRef idx="minor">
-            <a:schemeClr val="lt1"/>
-          </a:fontRef>
-        </p:style>
-        <p:txBody>
-          <a:bodyPr rtlCol="0" anchor="ctr"/>
-          <a:lstStyle/>
-          <a:p>
-            <a:pPr algn="ctr"/>
-            <a:endParaRPr lang="en-US"/>
-          </a:p>
-        </p:txBody>
-      </p:sp>
-      <p:sp>
-        <p:nvSpPr>
-          <p:cNvPr id="2" name="Title 1"/>
-          <p:cNvSpPr>
-            <a:spLocks noGrp="1"/>
-          </p:cNvSpPr>
-          <p:nvPr>
-            <p:ph type="title"/>
-          </p:nvPr>
-        </p:nvSpPr>
-        <p:spPr>
-          <a:xfrm rot="19140000">
-            <a:off x="671197" y="1717501"/>
-            <a:ext cx="5486400" cy="867444"/>
-          </a:xfrm>
-        </p:spPr>
-        <p:txBody>
-          <a:bodyPr anchor="b"/>
-          <a:lstStyle>
-            <a:lvl1pPr algn="l">
-              <a:defRPr sz="2800" b="0">
-                <a:latin typeface="+mj-lt"/>
-              </a:defRPr>
-            </a:lvl1pPr>
-          </a:lstStyle>
-          <a:p>
-            <a:r>
-              <a:rPr lang="en-US" smtClean="0"/>
-              <a:t>Click to edit Master title style</a:t>
-            </a:r>
-            <a:endParaRPr lang="en-US" dirty="0"/>
-          </a:p>
-        </p:txBody>
-      </p:sp>
-      <p:sp>
-        <p:nvSpPr>
-          <p:cNvPr id="4" name="Text Placeholder 3"/>
-          <p:cNvSpPr>
-            <a:spLocks noGrp="1"/>
-          </p:cNvSpPr>
-          <p:nvPr>
-            <p:ph type="body" sz="half" idx="2"/>
-          </p:nvPr>
-        </p:nvSpPr>
-        <p:spPr>
-          <a:xfrm rot="19140000">
-            <a:off x="1143479" y="2180529"/>
-            <a:ext cx="6096545" cy="740664"/>
-          </a:xfrm>
-        </p:spPr>
-        <p:txBody>
-          <a:bodyPr/>
-          <a:lstStyle>
-            <a:lvl1pPr marL="0" indent="0">
-              <a:buNone/>
-              <a:defRPr sz="1400">
-                <a:solidFill>
-                  <a:schemeClr val="tx2"/>
-                </a:solidFill>
-              </a:defRPr>
-            </a:lvl1pPr>
-            <a:lvl2pPr marL="457200" indent="0">
-              <a:buNone/>
-              <a:defRPr sz="1200"/>
-            </a:lvl2pPr>
-            <a:lvl3pPr marL="914400" indent="0">
-              <a:buNone/>
-              <a:defRPr sz="1000"/>
-            </a:lvl3pPr>
-            <a:lvl4pPr marL="1371600" indent="0">
-              <a:buNone/>
-              <a:defRPr sz="900"/>
-            </a:lvl4pPr>
-            <a:lvl5pPr marL="1828800" indent="0">
-              <a:buNone/>
-              <a:defRPr sz="900"/>
-            </a:lvl5pPr>
-            <a:lvl6pPr marL="2286000" indent="0">
-              <a:buNone/>
-              <a:defRPr sz="900"/>
-            </a:lvl6pPr>
-            <a:lvl7pPr marL="2743200" indent="0">
-              <a:buNone/>
-              <a:defRPr sz="900"/>
-            </a:lvl7pPr>
-            <a:lvl8pPr marL="3200400" indent="0">
-              <a:buNone/>
-              <a:defRPr sz="900"/>
-            </a:lvl8pPr>
-            <a:lvl9pPr marL="3657600" indent="0">
-              <a:buNone/>
-              <a:defRPr sz="900"/>
-            </a:lvl9pPr>
-          </a:lstStyle>
-          <a:p>
-            <a:pPr lvl="0"/>
-            <a:r>
-              <a:rPr lang="en-US" smtClean="0"/>
-              <a:t>Click to edit Master text styles</a:t>
-            </a:r>
-          </a:p>
-        </p:txBody>
-      </p:sp>
-      <p:sp>
-        <p:nvSpPr>
-          <p:cNvPr id="5" name="Date Placeholder 4"/>
-          <p:cNvSpPr>
-            <a:spLocks noGrp="1"/>
-          </p:cNvSpPr>
-          <p:nvPr>
-            <p:ph type="dt" sz="half" idx="10"/>
-          </p:nvPr>
-        </p:nvSpPr>
-        <p:spPr/>
-        <p:txBody>
-          <a:bodyPr/>
-          <a:lstStyle/>
-          <a:p>
-            <a:fld id="{E3416D63-31BF-4B94-B6C5-E20B2C63F515}" type="datetime4">
-              <a:rPr lang="en-US" smtClean="0"/>
-              <a:pPr/>
-              <a:t>November 30, 2017</a:t>
-            </a:fld>
-            <a:endParaRPr lang="en-US"/>
-          </a:p>
-        </p:txBody>
-      </p:sp>
-      <p:sp>
-        <p:nvSpPr>
-          <p:cNvPr id="6" name="Footer Placeholder 5"/>
-          <p:cNvSpPr>
-            <a:spLocks noGrp="1"/>
-          </p:cNvSpPr>
-          <p:nvPr>
-            <p:ph type="ftr" sz="quarter" idx="11"/>
-          </p:nvPr>
-        </p:nvSpPr>
-        <p:spPr/>
-        <p:txBody>
-          <a:bodyPr/>
-          <a:lstStyle/>
-          <a:p>
-            <a:endParaRPr lang="en-US"/>
-          </a:p>
-        </p:txBody>
-      </p:sp>
-      <p:sp>
-        <p:nvSpPr>
-          <p:cNvPr id="7" name="Slide Number Placeholder 6"/>
-          <p:cNvSpPr>
-            <a:spLocks noGrp="1"/>
-          </p:cNvSpPr>
-          <p:nvPr>
-            <p:ph type="sldNum" sz="quarter" idx="12"/>
-          </p:nvPr>
-        </p:nvSpPr>
-        <p:spPr/>
-        <p:txBody>
-          <a:bodyPr/>
-          <a:lstStyle/>
-          <a:p>
-            <a:fld id="{2754ED01-E2A0-4C1E-8E21-014B99041579}" type="slidenum">
-              <a:rPr lang="en-US" smtClean="0"/>
-              <a:pPr/>
-              <a:t>‹#›</a:t>
-            </a:fld>
-            <a:endParaRPr lang="en-US"/>
-          </a:p>
-        </p:txBody>
-      </p:sp>
-    </p:spTree>
-  </p:cSld>
-  <p:clrMapOvr>
-    <a:masterClrMapping/>
-  </p:clrMapOvr>
+  <p:timing>
+    <p:tnLst>
+      <p:par>
+        <p:cTn id="1" dur="indefinite" restart="never" nodeType="tmRoot"/>
+      </p:par>
+    </p:tnLst>
+  </p:timing>
 </p:sldLayout>
 </file>
 
@@ -20397,7 +20545,7 @@
             <a:fld id="{62B1B13E-D5AF-485E-81A1-82A140076526}" type="datetime4">
               <a:rPr lang="en-US" smtClean="0"/>
               <a:pPr/>
-              <a:t>November 30, 2017</a:t>
+              <a:t>December 3, 2017</a:t>
             </a:fld>
             <a:endParaRPr lang="en-US" dirty="0"/>
           </a:p>
@@ -20495,11 +20643,12 @@
     <p:sldLayoutId id="2147483652" r:id="rId4"/>
     <p:sldLayoutId id="2147483653" r:id="rId5"/>
     <p:sldLayoutId id="2147483654" r:id="rId6"/>
-    <p:sldLayoutId id="2147483655" r:id="rId7"/>
-    <p:sldLayoutId id="2147483656" r:id="rId8"/>
-    <p:sldLayoutId id="2147483657" r:id="rId9"/>
-    <p:sldLayoutId id="2147483658" r:id="rId10"/>
-    <p:sldLayoutId id="2147483659" r:id="rId11"/>
+    <p:sldLayoutId id="2147483660" r:id="rId7"/>
+    <p:sldLayoutId id="2147483655" r:id="rId8"/>
+    <p:sldLayoutId id="2147483656" r:id="rId9"/>
+    <p:sldLayoutId id="2147483657" r:id="rId10"/>
+    <p:sldLayoutId id="2147483658" r:id="rId11"/>
+    <p:sldLayoutId id="2147483659" r:id="rId12"/>
   </p:sldLayoutIdLst>
   <p:timing>
     <p:tnLst>
@@ -22296,14 +22445,23 @@
           <a:lstStyle/>
           <a:p>
             <a:r>
-              <a:rPr lang="en-US" dirty="0" smtClean="0"/>
+              <a:rPr lang="en-US" dirty="0" smtClean="0">
+                <a:latin typeface="Times New Roman" pitchFamily="18" charset="0"/>
+                <a:cs typeface="Times New Roman" pitchFamily="18" charset="0"/>
+              </a:rPr>
               <a:t>Thu </a:t>
             </a:r>
             <a:r>
-              <a:rPr lang="en-US" dirty="0" err="1" smtClean="0"/>
+              <a:rPr lang="en-US" dirty="0" err="1" smtClean="0">
+                <a:latin typeface="Times New Roman" pitchFamily="18" charset="0"/>
+                <a:cs typeface="Times New Roman" pitchFamily="18" charset="0"/>
+              </a:rPr>
               <a:t>được</a:t>
             </a:r>
-            <a:endParaRPr lang="en-US" dirty="0"/>
+            <a:endParaRPr lang="en-US" dirty="0">
+              <a:latin typeface="Times New Roman" pitchFamily="18" charset="0"/>
+              <a:cs typeface="Times New Roman" pitchFamily="18" charset="0"/>
+            </a:endParaRPr>
           </a:p>
         </p:txBody>
       </p:sp>
@@ -24309,56 +24467,56 @@
           <a:p>
             <a:r>
               <a:rPr lang="en-US" b="1" dirty="0" err="1" smtClean="0">
-                <a:latin typeface="Arial" pitchFamily="34" charset="0"/>
-                <a:cs typeface="Arial" pitchFamily="34" charset="0"/>
+                <a:latin typeface="Times New Roman" pitchFamily="18" charset="0"/>
+                <a:cs typeface="Times New Roman" pitchFamily="18" charset="0"/>
               </a:rPr>
               <a:t>Giới</a:t>
             </a:r>
             <a:r>
               <a:rPr lang="en-US" b="1" dirty="0" smtClean="0">
-                <a:latin typeface="Arial" pitchFamily="34" charset="0"/>
-                <a:cs typeface="Arial" pitchFamily="34" charset="0"/>
+                <a:latin typeface="Times New Roman" pitchFamily="18" charset="0"/>
+                <a:cs typeface="Times New Roman" pitchFamily="18" charset="0"/>
               </a:rPr>
               <a:t> </a:t>
             </a:r>
             <a:r>
               <a:rPr lang="en-US" b="1" dirty="0" err="1" smtClean="0">
-                <a:latin typeface="Arial" pitchFamily="34" charset="0"/>
-                <a:cs typeface="Arial" pitchFamily="34" charset="0"/>
+                <a:latin typeface="Times New Roman" pitchFamily="18" charset="0"/>
+                <a:cs typeface="Times New Roman" pitchFamily="18" charset="0"/>
               </a:rPr>
               <a:t>thiệu</a:t>
             </a:r>
             <a:r>
               <a:rPr lang="en-US" b="1" dirty="0" smtClean="0">
-                <a:latin typeface="Arial" pitchFamily="34" charset="0"/>
-                <a:cs typeface="Arial" pitchFamily="34" charset="0"/>
+                <a:latin typeface="Times New Roman" pitchFamily="18" charset="0"/>
+                <a:cs typeface="Times New Roman" pitchFamily="18" charset="0"/>
               </a:rPr>
               <a:t> </a:t>
             </a:r>
             <a:r>
               <a:rPr lang="en-US" b="1" dirty="0" err="1" smtClean="0">
-                <a:latin typeface="Arial" pitchFamily="34" charset="0"/>
-                <a:cs typeface="Arial" pitchFamily="34" charset="0"/>
+                <a:latin typeface="Times New Roman" pitchFamily="18" charset="0"/>
+                <a:cs typeface="Times New Roman" pitchFamily="18" charset="0"/>
               </a:rPr>
               <a:t>đồ</a:t>
             </a:r>
             <a:r>
               <a:rPr lang="en-US" b="1" dirty="0" smtClean="0">
-                <a:latin typeface="Arial" pitchFamily="34" charset="0"/>
-                <a:cs typeface="Arial" pitchFamily="34" charset="0"/>
+                <a:latin typeface="Times New Roman" pitchFamily="18" charset="0"/>
+                <a:cs typeface="Times New Roman" pitchFamily="18" charset="0"/>
               </a:rPr>
               <a:t> </a:t>
             </a:r>
             <a:r>
               <a:rPr lang="en-US" b="1" dirty="0" err="1" smtClean="0">
-                <a:latin typeface="Arial" pitchFamily="34" charset="0"/>
-                <a:cs typeface="Arial" pitchFamily="34" charset="0"/>
+                <a:latin typeface="Times New Roman" pitchFamily="18" charset="0"/>
+                <a:cs typeface="Times New Roman" pitchFamily="18" charset="0"/>
               </a:rPr>
               <a:t>án</a:t>
             </a:r>
             <a:endParaRPr lang="en-US" b="1" dirty="0">
-              <a:latin typeface="Arial" pitchFamily="34" charset="0"/>
-              <a:cs typeface="Arial" pitchFamily="34" charset="0"/>
+              <a:latin typeface="Times New Roman" pitchFamily="18" charset="0"/>
+              <a:cs typeface="Times New Roman" pitchFamily="18" charset="0"/>
             </a:endParaRPr>
           </a:p>
         </p:txBody>
@@ -24815,28 +24973,28 @@
           <a:p>
             <a:r>
               <a:rPr lang="en-US" b="1" dirty="0" err="1" smtClean="0">
-                <a:latin typeface="Arial" pitchFamily="34" charset="0"/>
-                <a:cs typeface="Arial" pitchFamily="34" charset="0"/>
+                <a:latin typeface="Times New Roman" pitchFamily="18" charset="0"/>
+                <a:cs typeface="Times New Roman" pitchFamily="18" charset="0"/>
               </a:rPr>
               <a:t>Mục</a:t>
             </a:r>
             <a:r>
               <a:rPr lang="en-US" b="1" dirty="0" smtClean="0">
-                <a:latin typeface="Arial" pitchFamily="34" charset="0"/>
-                <a:cs typeface="Arial" pitchFamily="34" charset="0"/>
+                <a:latin typeface="Times New Roman" pitchFamily="18" charset="0"/>
+                <a:cs typeface="Times New Roman" pitchFamily="18" charset="0"/>
               </a:rPr>
               <a:t> </a:t>
             </a:r>
             <a:r>
               <a:rPr lang="en-US" b="1" dirty="0" err="1" smtClean="0">
-                <a:latin typeface="Arial" pitchFamily="34" charset="0"/>
-                <a:cs typeface="Arial" pitchFamily="34" charset="0"/>
+                <a:latin typeface="Times New Roman" pitchFamily="18" charset="0"/>
+                <a:cs typeface="Times New Roman" pitchFamily="18" charset="0"/>
               </a:rPr>
               <a:t>lục</a:t>
             </a:r>
             <a:endParaRPr lang="en-US" b="1" dirty="0">
-              <a:latin typeface="Arial" pitchFamily="34" charset="0"/>
-              <a:cs typeface="Arial" pitchFamily="34" charset="0"/>
+              <a:latin typeface="Times New Roman" pitchFamily="18" charset="0"/>
+              <a:cs typeface="Times New Roman" pitchFamily="18" charset="0"/>
             </a:endParaRPr>
           </a:p>
         </p:txBody>
@@ -25310,63 +25468,68 @@
             <p:ph type="title"/>
           </p:nvPr>
         </p:nvSpPr>
-        <p:spPr/>
+        <p:spPr>
+          <a:xfrm>
+            <a:off x="804169" y="381000"/>
+            <a:ext cx="7520940" cy="548640"/>
+          </a:xfrm>
+        </p:spPr>
         <p:txBody>
           <a:bodyPr/>
           <a:lstStyle/>
           <a:p>
             <a:r>
               <a:rPr lang="en-US" b="1" dirty="0" err="1" smtClean="0">
-                <a:latin typeface="Arial" pitchFamily="34" charset="0"/>
-                <a:cs typeface="Arial" pitchFamily="34" charset="0"/>
+                <a:latin typeface="Times New Roman" pitchFamily="18" charset="0"/>
+                <a:cs typeface="Times New Roman" pitchFamily="18" charset="0"/>
               </a:rPr>
               <a:t>Trình</a:t>
             </a:r>
             <a:r>
               <a:rPr lang="en-US" b="1" dirty="0" smtClean="0">
-                <a:latin typeface="Arial" pitchFamily="34" charset="0"/>
-                <a:cs typeface="Arial" pitchFamily="34" charset="0"/>
+                <a:latin typeface="Times New Roman" pitchFamily="18" charset="0"/>
+                <a:cs typeface="Times New Roman" pitchFamily="18" charset="0"/>
               </a:rPr>
               <a:t> </a:t>
             </a:r>
             <a:r>
               <a:rPr lang="en-US" b="1" dirty="0" err="1" smtClean="0">
-                <a:latin typeface="Arial" pitchFamily="34" charset="0"/>
-                <a:cs typeface="Arial" pitchFamily="34" charset="0"/>
+                <a:latin typeface="Times New Roman" pitchFamily="18" charset="0"/>
+                <a:cs typeface="Times New Roman" pitchFamily="18" charset="0"/>
               </a:rPr>
               <a:t>bày</a:t>
             </a:r>
             <a:r>
               <a:rPr lang="en-US" b="1" dirty="0" smtClean="0">
-                <a:latin typeface="Arial" pitchFamily="34" charset="0"/>
-                <a:cs typeface="Arial" pitchFamily="34" charset="0"/>
+                <a:latin typeface="Times New Roman" pitchFamily="18" charset="0"/>
+                <a:cs typeface="Times New Roman" pitchFamily="18" charset="0"/>
               </a:rPr>
               <a:t> </a:t>
             </a:r>
             <a:r>
               <a:rPr lang="en-US" b="1" dirty="0" err="1" smtClean="0">
-                <a:latin typeface="Arial" pitchFamily="34" charset="0"/>
-                <a:cs typeface="Arial" pitchFamily="34" charset="0"/>
+                <a:latin typeface="Times New Roman" pitchFamily="18" charset="0"/>
+                <a:cs typeface="Times New Roman" pitchFamily="18" charset="0"/>
               </a:rPr>
               <a:t>giải</a:t>
             </a:r>
             <a:r>
               <a:rPr lang="en-US" b="1" dirty="0" smtClean="0">
-                <a:latin typeface="Arial" pitchFamily="34" charset="0"/>
-                <a:cs typeface="Arial" pitchFamily="34" charset="0"/>
+                <a:latin typeface="Times New Roman" pitchFamily="18" charset="0"/>
+                <a:cs typeface="Times New Roman" pitchFamily="18" charset="0"/>
               </a:rPr>
               <a:t> </a:t>
             </a:r>
             <a:r>
               <a:rPr lang="en-US" b="1" dirty="0" err="1" smtClean="0">
-                <a:latin typeface="Arial" pitchFamily="34" charset="0"/>
-                <a:cs typeface="Arial" pitchFamily="34" charset="0"/>
+                <a:latin typeface="Times New Roman" pitchFamily="18" charset="0"/>
+                <a:cs typeface="Times New Roman" pitchFamily="18" charset="0"/>
               </a:rPr>
               <a:t>pháp</a:t>
             </a:r>
             <a:endParaRPr lang="en-US" b="1" dirty="0">
-              <a:latin typeface="Arial" pitchFamily="34" charset="0"/>
-              <a:cs typeface="Arial" pitchFamily="34" charset="0"/>
+              <a:latin typeface="Times New Roman" pitchFamily="18" charset="0"/>
+              <a:cs typeface="Times New Roman" pitchFamily="18" charset="0"/>
             </a:endParaRPr>
           </a:p>
         </p:txBody>
@@ -25617,6 +25780,351 @@
                                         <p:strVal val="visible"/>
                                       </p:to>
                                     </p:set>
+                                  </p:childTnLst>
+                                </p:cTn>
+                              </p:par>
+                            </p:childTnLst>
+                          </p:cTn>
+                        </p:par>
+                      </p:childTnLst>
+                    </p:cTn>
+                  </p:par>
+                  <p:par>
+                    <p:cTn id="11" fill="hold">
+                      <p:stCondLst>
+                        <p:cond delay="indefinite"/>
+                      </p:stCondLst>
+                      <p:childTnLst>
+                        <p:par>
+                          <p:cTn id="12" fill="hold">
+                            <p:stCondLst>
+                              <p:cond delay="0"/>
+                            </p:stCondLst>
+                            <p:childTnLst>
+                              <p:par>
+                                <p:cTn id="13" presetID="42" presetClass="entr" presetSubtype="0" fill="hold" nodeType="clickEffect">
+                                  <p:stCondLst>
+                                    <p:cond delay="0"/>
+                                  </p:stCondLst>
+                                  <p:childTnLst>
+                                    <p:set>
+                                      <p:cBhvr>
+                                        <p:cTn id="14" dur="1" fill="hold">
+                                          <p:stCondLst>
+                                            <p:cond delay="0"/>
+                                          </p:stCondLst>
+                                        </p:cTn>
+                                        <p:tgtEl>
+                                          <p:spTgt spid="4">
+                                            <p:txEl>
+                                              <p:pRg st="0" end="0"/>
+                                            </p:txEl>
+                                          </p:spTgt>
+                                        </p:tgtEl>
+                                        <p:attrNameLst>
+                                          <p:attrName>style.visibility</p:attrName>
+                                        </p:attrNameLst>
+                                      </p:cBhvr>
+                                      <p:to>
+                                        <p:strVal val="visible"/>
+                                      </p:to>
+                                    </p:set>
+                                    <p:animEffect transition="in" filter="fade">
+                                      <p:cBhvr>
+                                        <p:cTn id="15" dur="1000"/>
+                                        <p:tgtEl>
+                                          <p:spTgt spid="4">
+                                            <p:txEl>
+                                              <p:pRg st="0" end="0"/>
+                                            </p:txEl>
+                                          </p:spTgt>
+                                        </p:tgtEl>
+                                      </p:cBhvr>
+                                    </p:animEffect>
+                                    <p:anim calcmode="lin" valueType="num">
+                                      <p:cBhvr>
+                                        <p:cTn id="16" dur="1000" fill="hold"/>
+                                        <p:tgtEl>
+                                          <p:spTgt spid="4">
+                                            <p:txEl>
+                                              <p:pRg st="0" end="0"/>
+                                            </p:txEl>
+                                          </p:spTgt>
+                                        </p:tgtEl>
+                                        <p:attrNameLst>
+                                          <p:attrName>ppt_x</p:attrName>
+                                        </p:attrNameLst>
+                                      </p:cBhvr>
+                                      <p:tavLst>
+                                        <p:tav tm="0">
+                                          <p:val>
+                                            <p:strVal val="#ppt_x"/>
+                                          </p:val>
+                                        </p:tav>
+                                        <p:tav tm="100000">
+                                          <p:val>
+                                            <p:strVal val="#ppt_x"/>
+                                          </p:val>
+                                        </p:tav>
+                                      </p:tavLst>
+                                    </p:anim>
+                                    <p:anim calcmode="lin" valueType="num">
+                                      <p:cBhvr>
+                                        <p:cTn id="17" dur="1000" fill="hold"/>
+                                        <p:tgtEl>
+                                          <p:spTgt spid="4">
+                                            <p:txEl>
+                                              <p:pRg st="0" end="0"/>
+                                            </p:txEl>
+                                          </p:spTgt>
+                                        </p:tgtEl>
+                                        <p:attrNameLst>
+                                          <p:attrName>ppt_y</p:attrName>
+                                        </p:attrNameLst>
+                                      </p:cBhvr>
+                                      <p:tavLst>
+                                        <p:tav tm="0">
+                                          <p:val>
+                                            <p:strVal val="#ppt_y+.1"/>
+                                          </p:val>
+                                        </p:tav>
+                                        <p:tav tm="100000">
+                                          <p:val>
+                                            <p:strVal val="#ppt_y"/>
+                                          </p:val>
+                                        </p:tav>
+                                      </p:tavLst>
+                                    </p:anim>
+                                  </p:childTnLst>
+                                </p:cTn>
+                              </p:par>
+                            </p:childTnLst>
+                          </p:cTn>
+                        </p:par>
+                      </p:childTnLst>
+                    </p:cTn>
+                  </p:par>
+                  <p:par>
+                    <p:cTn id="18" fill="hold">
+                      <p:stCondLst>
+                        <p:cond delay="indefinite"/>
+                      </p:stCondLst>
+                      <p:childTnLst>
+                        <p:par>
+                          <p:cTn id="19" fill="hold">
+                            <p:stCondLst>
+                              <p:cond delay="0"/>
+                            </p:stCondLst>
+                            <p:childTnLst>
+                              <p:par>
+                                <p:cTn id="20" presetID="42" presetClass="entr" presetSubtype="0" fill="hold" nodeType="clickEffect">
+                                  <p:stCondLst>
+                                    <p:cond delay="0"/>
+                                  </p:stCondLst>
+                                  <p:childTnLst>
+                                    <p:set>
+                                      <p:cBhvr>
+                                        <p:cTn id="21" dur="1" fill="hold">
+                                          <p:stCondLst>
+                                            <p:cond delay="0"/>
+                                          </p:stCondLst>
+                                        </p:cTn>
+                                        <p:tgtEl>
+                                          <p:spTgt spid="4">
+                                            <p:txEl>
+                                              <p:pRg st="1" end="1"/>
+                                            </p:txEl>
+                                          </p:spTgt>
+                                        </p:tgtEl>
+                                        <p:attrNameLst>
+                                          <p:attrName>style.visibility</p:attrName>
+                                        </p:attrNameLst>
+                                      </p:cBhvr>
+                                      <p:to>
+                                        <p:strVal val="visible"/>
+                                      </p:to>
+                                    </p:set>
+                                    <p:animEffect transition="in" filter="fade">
+                                      <p:cBhvr>
+                                        <p:cTn id="22" dur="1000"/>
+                                        <p:tgtEl>
+                                          <p:spTgt spid="4">
+                                            <p:txEl>
+                                              <p:pRg st="1" end="1"/>
+                                            </p:txEl>
+                                          </p:spTgt>
+                                        </p:tgtEl>
+                                      </p:cBhvr>
+                                    </p:animEffect>
+                                    <p:anim calcmode="lin" valueType="num">
+                                      <p:cBhvr>
+                                        <p:cTn id="23" dur="1000" fill="hold"/>
+                                        <p:tgtEl>
+                                          <p:spTgt spid="4">
+                                            <p:txEl>
+                                              <p:pRg st="1" end="1"/>
+                                            </p:txEl>
+                                          </p:spTgt>
+                                        </p:tgtEl>
+                                        <p:attrNameLst>
+                                          <p:attrName>ppt_x</p:attrName>
+                                        </p:attrNameLst>
+                                      </p:cBhvr>
+                                      <p:tavLst>
+                                        <p:tav tm="0">
+                                          <p:val>
+                                            <p:strVal val="#ppt_x"/>
+                                          </p:val>
+                                        </p:tav>
+                                        <p:tav tm="100000">
+                                          <p:val>
+                                            <p:strVal val="#ppt_x"/>
+                                          </p:val>
+                                        </p:tav>
+                                      </p:tavLst>
+                                    </p:anim>
+                                    <p:anim calcmode="lin" valueType="num">
+                                      <p:cBhvr>
+                                        <p:cTn id="24" dur="1000" fill="hold"/>
+                                        <p:tgtEl>
+                                          <p:spTgt spid="4">
+                                            <p:txEl>
+                                              <p:pRg st="1" end="1"/>
+                                            </p:txEl>
+                                          </p:spTgt>
+                                        </p:tgtEl>
+                                        <p:attrNameLst>
+                                          <p:attrName>ppt_y</p:attrName>
+                                        </p:attrNameLst>
+                                      </p:cBhvr>
+                                      <p:tavLst>
+                                        <p:tav tm="0">
+                                          <p:val>
+                                            <p:strVal val="#ppt_y+.1"/>
+                                          </p:val>
+                                        </p:tav>
+                                        <p:tav tm="100000">
+                                          <p:val>
+                                            <p:strVal val="#ppt_y"/>
+                                          </p:val>
+                                        </p:tav>
+                                      </p:tavLst>
+                                    </p:anim>
+                                  </p:childTnLst>
+                                </p:cTn>
+                              </p:par>
+                            </p:childTnLst>
+                          </p:cTn>
+                        </p:par>
+                      </p:childTnLst>
+                    </p:cTn>
+                  </p:par>
+                  <p:par>
+                    <p:cTn id="25" fill="hold">
+                      <p:stCondLst>
+                        <p:cond delay="indefinite"/>
+                      </p:stCondLst>
+                      <p:childTnLst>
+                        <p:par>
+                          <p:cTn id="26" fill="hold">
+                            <p:stCondLst>
+                              <p:cond delay="0"/>
+                            </p:stCondLst>
+                            <p:childTnLst>
+                              <p:par>
+                                <p:cTn id="27" presetID="42" presetClass="entr" presetSubtype="0" fill="hold" nodeType="clickEffect">
+                                  <p:stCondLst>
+                                    <p:cond delay="0"/>
+                                  </p:stCondLst>
+                                  <p:childTnLst>
+                                    <p:set>
+                                      <p:cBhvr>
+                                        <p:cTn id="28" dur="1" fill="hold">
+                                          <p:stCondLst>
+                                            <p:cond delay="0"/>
+                                          </p:stCondLst>
+                                        </p:cTn>
+                                        <p:tgtEl>
+                                          <p:spTgt spid="4">
+                                            <p:txEl>
+                                              <p:pRg st="2" end="2"/>
+                                            </p:txEl>
+                                          </p:spTgt>
+                                        </p:tgtEl>
+                                        <p:attrNameLst>
+                                          <p:attrName>style.visibility</p:attrName>
+                                        </p:attrNameLst>
+                                      </p:cBhvr>
+                                      <p:to>
+                                        <p:strVal val="visible"/>
+                                      </p:to>
+                                    </p:set>
+                                    <p:animEffect transition="in" filter="fade">
+                                      <p:cBhvr>
+                                        <p:cTn id="29" dur="1000"/>
+                                        <p:tgtEl>
+                                          <p:spTgt spid="4">
+                                            <p:txEl>
+                                              <p:pRg st="2" end="2"/>
+                                            </p:txEl>
+                                          </p:spTgt>
+                                        </p:tgtEl>
+                                      </p:cBhvr>
+                                    </p:animEffect>
+                                    <p:anim calcmode="lin" valueType="num">
+                                      <p:cBhvr>
+                                        <p:cTn id="30" dur="1000" fill="hold"/>
+                                        <p:tgtEl>
+                                          <p:spTgt spid="4">
+                                            <p:txEl>
+                                              <p:pRg st="2" end="2"/>
+                                            </p:txEl>
+                                          </p:spTgt>
+                                        </p:tgtEl>
+                                        <p:attrNameLst>
+                                          <p:attrName>ppt_x</p:attrName>
+                                        </p:attrNameLst>
+                                      </p:cBhvr>
+                                      <p:tavLst>
+                                        <p:tav tm="0">
+                                          <p:val>
+                                            <p:strVal val="#ppt_x"/>
+                                          </p:val>
+                                        </p:tav>
+                                        <p:tav tm="100000">
+                                          <p:val>
+                                            <p:strVal val="#ppt_x"/>
+                                          </p:val>
+                                        </p:tav>
+                                      </p:tavLst>
+                                    </p:anim>
+                                    <p:anim calcmode="lin" valueType="num">
+                                      <p:cBhvr>
+                                        <p:cTn id="31" dur="1000" fill="hold"/>
+                                        <p:tgtEl>
+                                          <p:spTgt spid="4">
+                                            <p:txEl>
+                                              <p:pRg st="2" end="2"/>
+                                            </p:txEl>
+                                          </p:spTgt>
+                                        </p:tgtEl>
+                                        <p:attrNameLst>
+                                          <p:attrName>ppt_y</p:attrName>
+                                        </p:attrNameLst>
+                                      </p:cBhvr>
+                                      <p:tavLst>
+                                        <p:tav tm="0">
+                                          <p:val>
+                                            <p:strVal val="#ppt_y+.1"/>
+                                          </p:val>
+                                        </p:tav>
+                                        <p:tav tm="100000">
+                                          <p:val>
+                                            <p:strVal val="#ppt_y"/>
+                                          </p:val>
+                                        </p:tav>
+                                      </p:tavLst>
+                                    </p:anim>
                                   </p:childTnLst>
                                 </p:cTn>
                               </p:par>
@@ -26873,7 +27381,7 @@
       </p:par>
     </p:tnLst>
     <p:bldLst>
-      <p:bldP spid="2" grpId="0"/>
+      <p:bldP spid="2" grpId="0" animBg="1"/>
     </p:bldLst>
   </p:timing>
 </p:sld>
@@ -26972,14 +27480,14 @@
           <p:nvPr>
             <p:extLst>
               <p:ext uri="{D42A27DB-BD31-4B8C-83A1-F6EECF244321}">
-                <p14:modId xmlns:p14="http://schemas.microsoft.com/office/powerpoint/2010/main" val="2100043703"/>
+                <p14:modId xmlns:p14="http://schemas.microsoft.com/office/powerpoint/2010/main" val="611001072"/>
               </p:ext>
             </p:extLst>
           </p:nvPr>
         </p:nvGraphicFramePr>
         <p:xfrm>
-          <a:off x="1524000" y="1397000"/>
-          <a:ext cx="6096000" cy="3510280"/>
+          <a:off x="838200" y="1066800"/>
+          <a:ext cx="7389920" cy="5329103"/>
         </p:xfrm>
         <a:graphic>
           <a:graphicData uri="http://schemas.openxmlformats.org/drawingml/2006/table">
@@ -26988,13 +27496,13 @@
                 <a:tableStyleId>{7DF18680-E054-41AD-8BC1-D1AEF772440D}</a:tableStyleId>
               </a:tblPr>
               <a:tblGrid>
-                <a:gridCol w="1219200"/>
-                <a:gridCol w="1219200"/>
-                <a:gridCol w="1219200"/>
-                <a:gridCol w="1219200"/>
-                <a:gridCol w="1219200"/>
+                <a:gridCol w="1477984"/>
+                <a:gridCol w="1477984"/>
+                <a:gridCol w="1477984"/>
+                <a:gridCol w="1477984"/>
+                <a:gridCol w="1477984"/>
               </a:tblGrid>
-              <a:tr h="370840">
+              <a:tr h="718930">
                 <a:tc>
                   <a:txBody>
                     <a:bodyPr/>
@@ -27138,13 +27646,41 @@
                   <a:tcPr/>
                 </a:tc>
               </a:tr>
-              <a:tr h="370840">
+              <a:tr h="718930">
                 <a:tc>
                   <a:txBody>
                     <a:bodyPr/>
                     <a:lstStyle/>
                     <a:p>
-                      <a:endParaRPr lang="en-US"/>
+                      <a:r>
+                        <a:rPr lang="en-US" dirty="0" err="1" smtClean="0"/>
+                        <a:t>Lê</a:t>
+                      </a:r>
+                      <a:r>
+                        <a:rPr lang="en-US" baseline="0" dirty="0" smtClean="0"/>
+                        <a:t> </a:t>
+                      </a:r>
+                      <a:r>
+                        <a:rPr lang="en-US" baseline="0" dirty="0" err="1" smtClean="0"/>
+                        <a:t>Duy</a:t>
+                      </a:r>
+                      <a:r>
+                        <a:rPr lang="en-US" baseline="0" dirty="0" smtClean="0"/>
+                        <a:t> </a:t>
+                      </a:r>
+                      <a:r>
+                        <a:rPr lang="en-US" baseline="0" dirty="0" err="1" smtClean="0"/>
+                        <a:t>Anh</a:t>
+                      </a:r>
+                      <a:r>
+                        <a:rPr lang="en-US" baseline="0" dirty="0" smtClean="0"/>
+                        <a:t> </a:t>
+                      </a:r>
+                      <a:r>
+                        <a:rPr lang="en-US" baseline="0" dirty="0" err="1" smtClean="0"/>
+                        <a:t>Tú</a:t>
+                      </a:r>
+                      <a:endParaRPr lang="en-US" dirty="0"/>
                     </a:p>
                   </a:txBody>
                   <a:tcPr/>
@@ -27190,13 +27726,33 @@
                   <a:tcPr/>
                 </a:tc>
               </a:tr>
-              <a:tr h="370840">
+              <a:tr h="416523">
                 <a:tc>
                   <a:txBody>
                     <a:bodyPr/>
                     <a:lstStyle/>
                     <a:p>
-                      <a:endParaRPr lang="en-US"/>
+                      <a:r>
+                        <a:rPr lang="en-US" dirty="0" err="1" smtClean="0"/>
+                        <a:t>Huỳnh</a:t>
+                      </a:r>
+                      <a:r>
+                        <a:rPr lang="en-US" dirty="0" smtClean="0"/>
+                        <a:t> </a:t>
+                      </a:r>
+                      <a:r>
+                        <a:rPr lang="en-US" dirty="0" err="1" smtClean="0"/>
+                        <a:t>Phát</a:t>
+                      </a:r>
+                      <a:r>
+                        <a:rPr lang="en-US" baseline="0" dirty="0" smtClean="0"/>
+                        <a:t> </a:t>
+                      </a:r>
+                      <a:r>
+                        <a:rPr lang="en-US" baseline="0" dirty="0" err="1" smtClean="0"/>
+                        <a:t>Đạt</a:t>
+                      </a:r>
+                      <a:endParaRPr lang="en-US" dirty="0"/>
                     </a:p>
                   </a:txBody>
                   <a:tcPr/>
@@ -27242,13 +27798,105 @@
                   <a:tcPr/>
                 </a:tc>
               </a:tr>
-              <a:tr h="370840">
+              <a:tr h="416523">
+                <a:tc>
+                  <a:txBody>
+                    <a:bodyPr/>
+                    <a:lstStyle/>
+                    <a:p>
+                      <a:r>
+                        <a:rPr lang="en-US" dirty="0" err="1" smtClean="0"/>
+                        <a:t>Nguyễn</a:t>
+                      </a:r>
+                      <a:r>
+                        <a:rPr lang="en-US" dirty="0" smtClean="0"/>
+                        <a:t> </a:t>
+                      </a:r>
+                      <a:r>
+                        <a:rPr lang="en-US" dirty="0" err="1" smtClean="0"/>
+                        <a:t>Đình</a:t>
+                      </a:r>
+                      <a:r>
+                        <a:rPr lang="en-US" baseline="0" dirty="0" smtClean="0"/>
+                        <a:t> </a:t>
+                      </a:r>
+                      <a:r>
+                        <a:rPr lang="en-US" baseline="0" dirty="0" err="1" smtClean="0"/>
+                        <a:t>Tín</a:t>
+                      </a:r>
+                      <a:endParaRPr lang="en-US" dirty="0"/>
+                    </a:p>
+                  </a:txBody>
+                  <a:tcPr/>
+                </a:tc>
                 <a:tc>
                   <a:txBody>
                     <a:bodyPr/>
                     <a:lstStyle/>
                     <a:p>
                       <a:endParaRPr lang="en-US"/>
+                    </a:p>
+                  </a:txBody>
+                  <a:tcPr/>
+                </a:tc>
+                <a:tc>
+                  <a:txBody>
+                    <a:bodyPr/>
+                    <a:lstStyle/>
+                    <a:p>
+                      <a:endParaRPr lang="en-US"/>
+                    </a:p>
+                  </a:txBody>
+                  <a:tcPr/>
+                </a:tc>
+                <a:tc>
+                  <a:txBody>
+                    <a:bodyPr/>
+                    <a:lstStyle/>
+                    <a:p>
+                      <a:endParaRPr lang="en-US"/>
+                    </a:p>
+                  </a:txBody>
+                  <a:tcPr/>
+                </a:tc>
+                <a:tc>
+                  <a:txBody>
+                    <a:bodyPr/>
+                    <a:lstStyle/>
+                    <a:p>
+                      <a:endParaRPr lang="en-US" dirty="0"/>
+                    </a:p>
+                  </a:txBody>
+                  <a:tcPr/>
+                </a:tc>
+              </a:tr>
+              <a:tr h="416523">
+                <a:tc>
+                  <a:txBody>
+                    <a:bodyPr/>
+                    <a:lstStyle/>
+                    <a:p>
+                      <a:r>
+                        <a:rPr lang="en-US" dirty="0" err="1" smtClean="0"/>
+                        <a:t>Trần</a:t>
+                      </a:r>
+                      <a:r>
+                        <a:rPr lang="en-US" baseline="0" dirty="0" smtClean="0"/>
+                        <a:t> </a:t>
+                      </a:r>
+                      <a:r>
+                        <a:rPr lang="en-US" baseline="0" dirty="0" err="1" smtClean="0"/>
+                        <a:t>TẤn</a:t>
+                      </a:r>
+                      <a:r>
+                        <a:rPr lang="en-US" baseline="0" dirty="0" smtClean="0"/>
+                        <a:t> </a:t>
+                      </a:r>
+                      <a:r>
+                        <a:rPr lang="en-US" baseline="0" dirty="0" err="1" smtClean="0"/>
+                        <a:t>Lộc</a:t>
+                      </a:r>
+                      <a:endParaRPr lang="en-US" dirty="0"/>
                     </a:p>
                   </a:txBody>
                   <a:tcPr/>
@@ -27294,13 +27942,29 @@
                   <a:tcPr/>
                 </a:tc>
               </a:tr>
-              <a:tr h="370840">
+              <a:tr h="416523">
                 <a:tc>
                   <a:txBody>
                     <a:bodyPr/>
                     <a:lstStyle/>
                     <a:p>
-                      <a:endParaRPr lang="en-US"/>
+                      <a:r>
+                        <a:rPr lang="en-US" dirty="0" err="1" smtClean="0"/>
+                        <a:t>Lưu</a:t>
+                      </a:r>
+                      <a:r>
+                        <a:rPr lang="en-US" baseline="0" dirty="0" smtClean="0"/>
+                        <a:t> </a:t>
+                      </a:r>
+                      <a:r>
+                        <a:rPr lang="en-US" baseline="0" dirty="0" err="1" smtClean="0"/>
+                        <a:t>Hoàng</a:t>
+                      </a:r>
+                      <a:r>
+                        <a:rPr lang="en-US" baseline="0" dirty="0" smtClean="0"/>
+                        <a:t> Minh</a:t>
+                      </a:r>
+                      <a:endParaRPr lang="en-US" dirty="0"/>
                     </a:p>
                   </a:txBody>
                   <a:tcPr/>
@@ -27346,13 +28010,41 @@
                   <a:tcPr/>
                 </a:tc>
               </a:tr>
-              <a:tr h="370840">
+              <a:tr h="416523">
                 <a:tc>
                   <a:txBody>
                     <a:bodyPr/>
                     <a:lstStyle/>
                     <a:p>
-                      <a:endParaRPr lang="en-US"/>
+                      <a:r>
+                        <a:rPr lang="en-US" dirty="0" err="1" smtClean="0"/>
+                        <a:t>Phạm</a:t>
+                      </a:r>
+                      <a:r>
+                        <a:rPr lang="en-US" baseline="0" dirty="0" smtClean="0"/>
+                        <a:t> </a:t>
+                      </a:r>
+                      <a:r>
+                        <a:rPr lang="en-US" baseline="0" dirty="0" err="1" smtClean="0"/>
+                        <a:t>Thế</a:t>
+                      </a:r>
+                      <a:r>
+                        <a:rPr lang="en-US" baseline="0" dirty="0" smtClean="0"/>
+                        <a:t> </a:t>
+                      </a:r>
+                      <a:r>
+                        <a:rPr lang="en-US" baseline="0" dirty="0" err="1" smtClean="0"/>
+                        <a:t>Trường</a:t>
+                      </a:r>
+                      <a:r>
+                        <a:rPr lang="en-US" baseline="0" dirty="0" smtClean="0"/>
+                        <a:t> </a:t>
+                      </a:r>
+                      <a:r>
+                        <a:rPr lang="en-US" baseline="0" dirty="0" err="1" smtClean="0"/>
+                        <a:t>Thành</a:t>
+                      </a:r>
+                      <a:endParaRPr lang="en-US" dirty="0"/>
                     </a:p>
                   </a:txBody>
                   <a:tcPr/>
@@ -27398,65 +28090,33 @@
                   <a:tcPr/>
                 </a:tc>
               </a:tr>
-              <a:tr h="370840">
+              <a:tr h="416523">
                 <a:tc>
                   <a:txBody>
                     <a:bodyPr/>
                     <a:lstStyle/>
                     <a:p>
-                      <a:endParaRPr lang="en-US"/>
-                    </a:p>
-                  </a:txBody>
-                  <a:tcPr/>
-                </a:tc>
-                <a:tc>
-                  <a:txBody>
-                    <a:bodyPr/>
-                    <a:lstStyle/>
-                    <a:p>
-                      <a:endParaRPr lang="en-US"/>
-                    </a:p>
-                  </a:txBody>
-                  <a:tcPr/>
-                </a:tc>
-                <a:tc>
-                  <a:txBody>
-                    <a:bodyPr/>
-                    <a:lstStyle/>
-                    <a:p>
-                      <a:endParaRPr lang="en-US"/>
-                    </a:p>
-                  </a:txBody>
-                  <a:tcPr/>
-                </a:tc>
-                <a:tc>
-                  <a:txBody>
-                    <a:bodyPr/>
-                    <a:lstStyle/>
-                    <a:p>
-                      <a:endParaRPr lang="en-US"/>
-                    </a:p>
-                  </a:txBody>
-                  <a:tcPr/>
-                </a:tc>
-                <a:tc>
-                  <a:txBody>
-                    <a:bodyPr/>
-                    <a:lstStyle/>
-                    <a:p>
-                      <a:endParaRPr lang="en-US"/>
-                    </a:p>
-                  </a:txBody>
-                  <a:tcPr/>
-                </a:tc>
-              </a:tr>
-              <a:tr h="370840">
-                <a:tc>
-                  <a:txBody>
-                    <a:bodyPr/>
-                    <a:lstStyle/>
-                    <a:p>
-                      <a:endParaRPr lang="en-US"/>
+                      <a:r>
+                        <a:rPr lang="en-US" dirty="0" err="1" smtClean="0"/>
+                        <a:t>Lê</a:t>
+                      </a:r>
+                      <a:r>
+                        <a:rPr lang="en-US" baseline="0" dirty="0" smtClean="0"/>
+                        <a:t> </a:t>
+                      </a:r>
+                      <a:r>
+                        <a:rPr lang="en-US" baseline="0" dirty="0" err="1" smtClean="0"/>
+                        <a:t>Tuấn</a:t>
+                      </a:r>
+                      <a:r>
+                        <a:rPr lang="en-US" baseline="0" dirty="0" smtClean="0"/>
+                        <a:t> </a:t>
+                      </a:r>
+                      <a:r>
+                        <a:rPr lang="en-US" baseline="0" dirty="0" err="1" smtClean="0"/>
+                        <a:t>Anh</a:t>
+                      </a:r>
+                      <a:endParaRPr lang="en-US" dirty="0"/>
                     </a:p>
                   </a:txBody>
                   <a:tcPr/>
@@ -27969,63 +28629,68 @@
             <p:ph type="title"/>
           </p:nvPr>
         </p:nvSpPr>
-        <p:spPr/>
+        <p:spPr>
+          <a:xfrm>
+            <a:off x="762000" y="381000"/>
+            <a:ext cx="7520940" cy="548640"/>
+          </a:xfrm>
+        </p:spPr>
         <p:txBody>
           <a:bodyPr/>
           <a:lstStyle/>
           <a:p>
             <a:r>
               <a:rPr lang="en-US" b="1" dirty="0" err="1" smtClean="0">
-                <a:latin typeface="Arial" pitchFamily="34" charset="0"/>
-                <a:cs typeface="Arial" pitchFamily="34" charset="0"/>
+                <a:latin typeface="Times New Roman" pitchFamily="18" charset="0"/>
+                <a:cs typeface="Times New Roman" pitchFamily="18" charset="0"/>
               </a:rPr>
               <a:t>Quá</a:t>
             </a:r>
             <a:r>
               <a:rPr lang="en-US" b="1" dirty="0" smtClean="0">
-                <a:latin typeface="Arial" pitchFamily="34" charset="0"/>
-                <a:cs typeface="Arial" pitchFamily="34" charset="0"/>
+                <a:latin typeface="Times New Roman" pitchFamily="18" charset="0"/>
+                <a:cs typeface="Times New Roman" pitchFamily="18" charset="0"/>
               </a:rPr>
               <a:t> </a:t>
             </a:r>
             <a:r>
               <a:rPr lang="en-US" b="1" dirty="0" err="1" smtClean="0">
-                <a:latin typeface="Arial" pitchFamily="34" charset="0"/>
-                <a:cs typeface="Arial" pitchFamily="34" charset="0"/>
+                <a:latin typeface="Times New Roman" pitchFamily="18" charset="0"/>
+                <a:cs typeface="Times New Roman" pitchFamily="18" charset="0"/>
               </a:rPr>
               <a:t>trình</a:t>
             </a:r>
             <a:r>
               <a:rPr lang="en-US" b="1" dirty="0" smtClean="0">
-                <a:latin typeface="Arial" pitchFamily="34" charset="0"/>
-                <a:cs typeface="Arial" pitchFamily="34" charset="0"/>
+                <a:latin typeface="Times New Roman" pitchFamily="18" charset="0"/>
+                <a:cs typeface="Times New Roman" pitchFamily="18" charset="0"/>
               </a:rPr>
               <a:t> </a:t>
             </a:r>
             <a:r>
               <a:rPr lang="en-US" b="1" dirty="0" err="1" smtClean="0">
-                <a:latin typeface="Arial" pitchFamily="34" charset="0"/>
-                <a:cs typeface="Arial" pitchFamily="34" charset="0"/>
+                <a:latin typeface="Times New Roman" pitchFamily="18" charset="0"/>
+                <a:cs typeface="Times New Roman" pitchFamily="18" charset="0"/>
               </a:rPr>
               <a:t>làm</a:t>
             </a:r>
             <a:r>
               <a:rPr lang="en-US" b="1" dirty="0" smtClean="0">
-                <a:latin typeface="Arial" pitchFamily="34" charset="0"/>
-                <a:cs typeface="Arial" pitchFamily="34" charset="0"/>
+                <a:latin typeface="Times New Roman" pitchFamily="18" charset="0"/>
+                <a:cs typeface="Times New Roman" pitchFamily="18" charset="0"/>
               </a:rPr>
               <a:t> </a:t>
             </a:r>
             <a:r>
               <a:rPr lang="en-US" b="1" dirty="0" err="1" smtClean="0">
-                <a:latin typeface="Arial" pitchFamily="34" charset="0"/>
-                <a:cs typeface="Arial" pitchFamily="34" charset="0"/>
+                <a:latin typeface="Times New Roman" pitchFamily="18" charset="0"/>
+                <a:cs typeface="Times New Roman" pitchFamily="18" charset="0"/>
               </a:rPr>
               <a:t>viêc</a:t>
             </a:r>
             <a:endParaRPr lang="en-US" b="1" dirty="0">
-              <a:latin typeface="Arial" pitchFamily="34" charset="0"/>
-              <a:cs typeface="Arial" pitchFamily="34" charset="0"/>
+              <a:latin typeface="Times New Roman" pitchFamily="18" charset="0"/>
+              <a:cs typeface="Times New Roman" pitchFamily="18" charset="0"/>
             </a:endParaRPr>
           </a:p>
         </p:txBody>
@@ -28227,22 +28892,37 @@
           <a:lstStyle/>
           <a:p>
             <a:r>
-              <a:rPr lang="en-US" dirty="0" err="1" smtClean="0"/>
+              <a:rPr lang="en-US" dirty="0" err="1" smtClean="0">
+                <a:latin typeface="Times New Roman" pitchFamily="18" charset="0"/>
+                <a:cs typeface="Times New Roman" pitchFamily="18" charset="0"/>
+              </a:rPr>
               <a:t>Gửi</a:t>
             </a:r>
             <a:r>
-              <a:rPr lang="en-US" dirty="0" smtClean="0"/>
+              <a:rPr lang="en-US" dirty="0" smtClean="0">
+                <a:latin typeface="Times New Roman" pitchFamily="18" charset="0"/>
+                <a:cs typeface="Times New Roman" pitchFamily="18" charset="0"/>
+              </a:rPr>
               <a:t> </a:t>
             </a:r>
             <a:r>
-              <a:rPr lang="en-US" dirty="0" err="1" smtClean="0"/>
+              <a:rPr lang="en-US" dirty="0" err="1" smtClean="0">
+                <a:latin typeface="Times New Roman" pitchFamily="18" charset="0"/>
+                <a:cs typeface="Times New Roman" pitchFamily="18" charset="0"/>
+              </a:rPr>
               <a:t>bản</a:t>
             </a:r>
             <a:r>
-              <a:rPr lang="en-US" dirty="0" smtClean="0"/>
+              <a:rPr lang="en-US" dirty="0" smtClean="0">
+                <a:latin typeface="Times New Roman" pitchFamily="18" charset="0"/>
+                <a:cs typeface="Times New Roman" pitchFamily="18" charset="0"/>
+              </a:rPr>
               <a:t> demo</a:t>
             </a:r>
-            <a:endParaRPr lang="en-US" dirty="0"/>
+            <a:endParaRPr lang="en-US" dirty="0">
+              <a:latin typeface="Times New Roman" pitchFamily="18" charset="0"/>
+              <a:cs typeface="Times New Roman" pitchFamily="18" charset="0"/>
+            </a:endParaRPr>
           </a:p>
         </p:txBody>
       </p:sp>
